--- a/4-Semestre/Documentação/Material-institucional/Simplify.pptx
+++ b/4-Semestre/Documentação/Material-institucional/Simplify.pptx
@@ -118,6 +118,11 @@
       </a:defRPr>
     </a:lvl9pPr>
   </p:defaultTextStyle>
+  <p:extLst>
+    <p:ext uri="{EFAFB233-063F-42B5-8137-9DF3F51BA10A}">
+      <p15:sldGuideLst xmlns:p15="http://schemas.microsoft.com/office/powerpoint/2012/main"/>
+    </p:ext>
+  </p:extLst>
 </p:presentation>
 </file>
 
@@ -268,7 +273,7 @@
           <a:p>
             <a:fld id="{39D4236D-FCDC-4FB8-BDD2-642A29B4F6CC}" type="datetimeFigureOut">
               <a:rPr lang="pt-BR" smtClean="0"/>
-              <a:t>08/03/2021</a:t>
+              <a:t>09/03/2021</a:t>
             </a:fld>
             <a:endParaRPr lang="pt-BR"/>
           </a:p>
@@ -466,7 +471,7 @@
           <a:p>
             <a:fld id="{39D4236D-FCDC-4FB8-BDD2-642A29B4F6CC}" type="datetimeFigureOut">
               <a:rPr lang="pt-BR" smtClean="0"/>
-              <a:t>08/03/2021</a:t>
+              <a:t>09/03/2021</a:t>
             </a:fld>
             <a:endParaRPr lang="pt-BR"/>
           </a:p>
@@ -674,7 +679,7 @@
           <a:p>
             <a:fld id="{39D4236D-FCDC-4FB8-BDD2-642A29B4F6CC}" type="datetimeFigureOut">
               <a:rPr lang="pt-BR" smtClean="0"/>
-              <a:t>08/03/2021</a:t>
+              <a:t>09/03/2021</a:t>
             </a:fld>
             <a:endParaRPr lang="pt-BR"/>
           </a:p>
@@ -872,7 +877,7 @@
           <a:p>
             <a:fld id="{39D4236D-FCDC-4FB8-BDD2-642A29B4F6CC}" type="datetimeFigureOut">
               <a:rPr lang="pt-BR" smtClean="0"/>
-              <a:t>08/03/2021</a:t>
+              <a:t>09/03/2021</a:t>
             </a:fld>
             <a:endParaRPr lang="pt-BR"/>
           </a:p>
@@ -1147,7 +1152,7 @@
           <a:p>
             <a:fld id="{39D4236D-FCDC-4FB8-BDD2-642A29B4F6CC}" type="datetimeFigureOut">
               <a:rPr lang="pt-BR" smtClean="0"/>
-              <a:t>08/03/2021</a:t>
+              <a:t>09/03/2021</a:t>
             </a:fld>
             <a:endParaRPr lang="pt-BR"/>
           </a:p>
@@ -1412,7 +1417,7 @@
           <a:p>
             <a:fld id="{39D4236D-FCDC-4FB8-BDD2-642A29B4F6CC}" type="datetimeFigureOut">
               <a:rPr lang="pt-BR" smtClean="0"/>
-              <a:t>08/03/2021</a:t>
+              <a:t>09/03/2021</a:t>
             </a:fld>
             <a:endParaRPr lang="pt-BR"/>
           </a:p>
@@ -1824,7 +1829,7 @@
           <a:p>
             <a:fld id="{39D4236D-FCDC-4FB8-BDD2-642A29B4F6CC}" type="datetimeFigureOut">
               <a:rPr lang="pt-BR" smtClean="0"/>
-              <a:t>08/03/2021</a:t>
+              <a:t>09/03/2021</a:t>
             </a:fld>
             <a:endParaRPr lang="pt-BR"/>
           </a:p>
@@ -1965,7 +1970,7 @@
           <a:p>
             <a:fld id="{39D4236D-FCDC-4FB8-BDD2-642A29B4F6CC}" type="datetimeFigureOut">
               <a:rPr lang="pt-BR" smtClean="0"/>
-              <a:t>08/03/2021</a:t>
+              <a:t>09/03/2021</a:t>
             </a:fld>
             <a:endParaRPr lang="pt-BR"/>
           </a:p>
@@ -2078,7 +2083,7 @@
           <a:p>
             <a:fld id="{39D4236D-FCDC-4FB8-BDD2-642A29B4F6CC}" type="datetimeFigureOut">
               <a:rPr lang="pt-BR" smtClean="0"/>
-              <a:t>08/03/2021</a:t>
+              <a:t>09/03/2021</a:t>
             </a:fld>
             <a:endParaRPr lang="pt-BR"/>
           </a:p>
@@ -2389,7 +2394,7 @@
           <a:p>
             <a:fld id="{39D4236D-FCDC-4FB8-BDD2-642A29B4F6CC}" type="datetimeFigureOut">
               <a:rPr lang="pt-BR" smtClean="0"/>
-              <a:t>08/03/2021</a:t>
+              <a:t>09/03/2021</a:t>
             </a:fld>
             <a:endParaRPr lang="pt-BR"/>
           </a:p>
@@ -2677,7 +2682,7 @@
           <a:p>
             <a:fld id="{39D4236D-FCDC-4FB8-BDD2-642A29B4F6CC}" type="datetimeFigureOut">
               <a:rPr lang="pt-BR" smtClean="0"/>
-              <a:t>08/03/2021</a:t>
+              <a:t>09/03/2021</a:t>
             </a:fld>
             <a:endParaRPr lang="pt-BR"/>
           </a:p>
@@ -2918,7 +2923,7 @@
           <a:p>
             <a:fld id="{39D4236D-FCDC-4FB8-BDD2-642A29B4F6CC}" type="datetimeFigureOut">
               <a:rPr lang="pt-BR" smtClean="0"/>
-              <a:t>08/03/2021</a:t>
+              <a:t>09/03/2021</a:t>
             </a:fld>
             <a:endParaRPr lang="pt-BR"/>
           </a:p>
@@ -4259,9 +4264,18 @@
   <p:clrMapOvr>
     <a:masterClrMapping/>
   </p:clrMapOvr>
-  <p:transition spd="slow">
-    <p:push/>
-  </p:transition>
+  <mc:AlternateContent xmlns:mc="http://schemas.openxmlformats.org/markup-compatibility/2006">
+    <mc:Choice xmlns:p15="http://schemas.microsoft.com/office/powerpoint/2012/main" Requires="p15">
+      <p:transition xmlns:p14="http://schemas.microsoft.com/office/powerpoint/2010/main" spd="slow" p14:dur="3250">
+        <p15:prstTrans prst="origami"/>
+      </p:transition>
+    </mc:Choice>
+    <mc:Fallback>
+      <p:transition spd="slow">
+        <p:fade/>
+      </p:transition>
+    </mc:Fallback>
+  </mc:AlternateContent>
 </p:sld>
 </file>
 

--- a/4-Semestre/Documentação/Material-institucional/Simplify.pptx
+++ b/4-Semestre/Documentação/Material-institucional/Simplify.pptx
@@ -4,6 +4,9 @@
   <p:sldMasterIdLst>
     <p:sldMasterId id="2147483648" r:id="rId1"/>
   </p:sldMasterIdLst>
+  <p:notesMasterIdLst>
+    <p:notesMasterId r:id="rId22"/>
+  </p:notesMasterIdLst>
   <p:sldIdLst>
     <p:sldId id="256" r:id="rId2"/>
     <p:sldId id="264" r:id="rId3"/>
@@ -12,14 +15,19 @@
     <p:sldId id="266" r:id="rId6"/>
     <p:sldId id="267" r:id="rId7"/>
     <p:sldId id="268" r:id="rId8"/>
-    <p:sldId id="269" r:id="rId9"/>
-    <p:sldId id="271" r:id="rId10"/>
-    <p:sldId id="270" r:id="rId11"/>
-    <p:sldId id="258" r:id="rId12"/>
-    <p:sldId id="259" r:id="rId13"/>
-    <p:sldId id="260" r:id="rId14"/>
-    <p:sldId id="272" r:id="rId15"/>
-    <p:sldId id="273" r:id="rId16"/>
+    <p:sldId id="277" r:id="rId9"/>
+    <p:sldId id="278" r:id="rId10"/>
+    <p:sldId id="275" r:id="rId11"/>
+    <p:sldId id="276" r:id="rId12"/>
+    <p:sldId id="274" r:id="rId13"/>
+    <p:sldId id="271" r:id="rId14"/>
+    <p:sldId id="269" r:id="rId15"/>
+    <p:sldId id="270" r:id="rId16"/>
+    <p:sldId id="258" r:id="rId17"/>
+    <p:sldId id="259" r:id="rId18"/>
+    <p:sldId id="260" r:id="rId19"/>
+    <p:sldId id="272" r:id="rId20"/>
+    <p:sldId id="273" r:id="rId21"/>
   </p:sldIdLst>
   <p:sldSz cx="12192000" cy="6858000"/>
   <p:notesSz cx="6858000" cy="9144000"/>
@@ -124,6 +132,2032 @@
     </p:ext>
   </p:extLst>
 </p:presentation>
+</file>
+
+<file path=ppt/notesMasters/notesMaster1.xml><?xml version="1.0" encoding="utf-8"?>
+<p:notesMaster xmlns:a="http://schemas.openxmlformats.org/drawingml/2006/main" xmlns:r="http://schemas.openxmlformats.org/officeDocument/2006/relationships" xmlns:p="http://schemas.openxmlformats.org/presentationml/2006/main">
+  <p:cSld>
+    <p:bg>
+      <p:bgRef idx="1001">
+        <a:schemeClr val="bg1"/>
+      </p:bgRef>
+    </p:bg>
+    <p:spTree>
+      <p:nvGrpSpPr>
+        <p:cNvPr id="1" name=""/>
+        <p:cNvGrpSpPr/>
+        <p:nvPr/>
+      </p:nvGrpSpPr>
+      <p:grpSpPr>
+        <a:xfrm>
+          <a:off x="0" y="0"/>
+          <a:ext cx="0" cy="0"/>
+          <a:chOff x="0" y="0"/>
+          <a:chExt cx="0" cy="0"/>
+        </a:xfrm>
+      </p:grpSpPr>
+      <p:sp>
+        <p:nvSpPr>
+          <p:cNvPr id="2" name="Espaço Reservado para Cabeçalho 1"/>
+          <p:cNvSpPr>
+            <a:spLocks noGrp="1"/>
+          </p:cNvSpPr>
+          <p:nvPr>
+            <p:ph type="hdr" sz="quarter"/>
+          </p:nvPr>
+        </p:nvSpPr>
+        <p:spPr>
+          <a:xfrm>
+            <a:off x="0" y="0"/>
+            <a:ext cx="2971800" cy="458788"/>
+          </a:xfrm>
+          <a:prstGeom prst="rect">
+            <a:avLst/>
+          </a:prstGeom>
+        </p:spPr>
+        <p:txBody>
+          <a:bodyPr vert="horz" lIns="91440" tIns="45720" rIns="91440" bIns="45720" rtlCol="0"/>
+          <a:lstStyle>
+            <a:lvl1pPr algn="l">
+              <a:defRPr sz="1200"/>
+            </a:lvl1pPr>
+          </a:lstStyle>
+          <a:p>
+            <a:endParaRPr lang="pt-BR"/>
+          </a:p>
+        </p:txBody>
+      </p:sp>
+      <p:sp>
+        <p:nvSpPr>
+          <p:cNvPr id="3" name="Espaço Reservado para Data 2"/>
+          <p:cNvSpPr>
+            <a:spLocks noGrp="1"/>
+          </p:cNvSpPr>
+          <p:nvPr>
+            <p:ph type="dt" idx="1"/>
+          </p:nvPr>
+        </p:nvSpPr>
+        <p:spPr>
+          <a:xfrm>
+            <a:off x="3884613" y="0"/>
+            <a:ext cx="2971800" cy="458788"/>
+          </a:xfrm>
+          <a:prstGeom prst="rect">
+            <a:avLst/>
+          </a:prstGeom>
+        </p:spPr>
+        <p:txBody>
+          <a:bodyPr vert="horz" lIns="91440" tIns="45720" rIns="91440" bIns="45720" rtlCol="0"/>
+          <a:lstStyle>
+            <a:lvl1pPr algn="r">
+              <a:defRPr sz="1200"/>
+            </a:lvl1pPr>
+          </a:lstStyle>
+          <a:p>
+            <a:fld id="{B1D78029-9EF8-495A-A361-68BF052E3C97}" type="datetimeFigureOut">
+              <a:rPr lang="pt-BR" smtClean="0"/>
+              <a:t>09/03/2021</a:t>
+            </a:fld>
+            <a:endParaRPr lang="pt-BR"/>
+          </a:p>
+        </p:txBody>
+      </p:sp>
+      <p:sp>
+        <p:nvSpPr>
+          <p:cNvPr id="4" name="Espaço Reservado para Imagem de Slide 3"/>
+          <p:cNvSpPr>
+            <a:spLocks noGrp="1" noRot="1" noChangeAspect="1"/>
+          </p:cNvSpPr>
+          <p:nvPr>
+            <p:ph type="sldImg" idx="2"/>
+          </p:nvPr>
+        </p:nvSpPr>
+        <p:spPr>
+          <a:xfrm>
+            <a:off x="685800" y="1143000"/>
+            <a:ext cx="5486400" cy="3086100"/>
+          </a:xfrm>
+          <a:prstGeom prst="rect">
+            <a:avLst/>
+          </a:prstGeom>
+          <a:noFill/>
+          <a:ln w="12700">
+            <a:solidFill>
+              <a:prstClr val="black"/>
+            </a:solidFill>
+          </a:ln>
+        </p:spPr>
+        <p:txBody>
+          <a:bodyPr vert="horz" lIns="91440" tIns="45720" rIns="91440" bIns="45720" rtlCol="0" anchor="ctr"/>
+          <a:lstStyle/>
+          <a:p>
+            <a:endParaRPr lang="pt-BR"/>
+          </a:p>
+        </p:txBody>
+      </p:sp>
+      <p:sp>
+        <p:nvSpPr>
+          <p:cNvPr id="5" name="Espaço Reservado para Anotações 4"/>
+          <p:cNvSpPr>
+            <a:spLocks noGrp="1"/>
+          </p:cNvSpPr>
+          <p:nvPr>
+            <p:ph type="body" sz="quarter" idx="3"/>
+          </p:nvPr>
+        </p:nvSpPr>
+        <p:spPr>
+          <a:xfrm>
+            <a:off x="685800" y="4400550"/>
+            <a:ext cx="5486400" cy="3600450"/>
+          </a:xfrm>
+          <a:prstGeom prst="rect">
+            <a:avLst/>
+          </a:prstGeom>
+        </p:spPr>
+        <p:txBody>
+          <a:bodyPr vert="horz" lIns="91440" tIns="45720" rIns="91440" bIns="45720" rtlCol="0"/>
+          <a:lstStyle/>
+          <a:p>
+            <a:pPr lvl="0"/>
+            <a:r>
+              <a:rPr lang="pt-BR"/>
+              <a:t>Clique para editar os estilos de texto Mestres</a:t>
+            </a:r>
+          </a:p>
+          <a:p>
+            <a:pPr lvl="1"/>
+            <a:r>
+              <a:rPr lang="pt-BR"/>
+              <a:t>Segundo nível</a:t>
+            </a:r>
+          </a:p>
+          <a:p>
+            <a:pPr lvl="2"/>
+            <a:r>
+              <a:rPr lang="pt-BR"/>
+              <a:t>Terceiro nível</a:t>
+            </a:r>
+          </a:p>
+          <a:p>
+            <a:pPr lvl="3"/>
+            <a:r>
+              <a:rPr lang="pt-BR"/>
+              <a:t>Quarto nível</a:t>
+            </a:r>
+          </a:p>
+          <a:p>
+            <a:pPr lvl="4"/>
+            <a:r>
+              <a:rPr lang="pt-BR"/>
+              <a:t>Quinto nível</a:t>
+            </a:r>
+          </a:p>
+        </p:txBody>
+      </p:sp>
+      <p:sp>
+        <p:nvSpPr>
+          <p:cNvPr id="6" name="Espaço Reservado para Rodapé 5"/>
+          <p:cNvSpPr>
+            <a:spLocks noGrp="1"/>
+          </p:cNvSpPr>
+          <p:nvPr>
+            <p:ph type="ftr" sz="quarter" idx="4"/>
+          </p:nvPr>
+        </p:nvSpPr>
+        <p:spPr>
+          <a:xfrm>
+            <a:off x="0" y="8685213"/>
+            <a:ext cx="2971800" cy="458787"/>
+          </a:xfrm>
+          <a:prstGeom prst="rect">
+            <a:avLst/>
+          </a:prstGeom>
+        </p:spPr>
+        <p:txBody>
+          <a:bodyPr vert="horz" lIns="91440" tIns="45720" rIns="91440" bIns="45720" rtlCol="0" anchor="b"/>
+          <a:lstStyle>
+            <a:lvl1pPr algn="l">
+              <a:defRPr sz="1200"/>
+            </a:lvl1pPr>
+          </a:lstStyle>
+          <a:p>
+            <a:endParaRPr lang="pt-BR"/>
+          </a:p>
+        </p:txBody>
+      </p:sp>
+      <p:sp>
+        <p:nvSpPr>
+          <p:cNvPr id="7" name="Espaço Reservado para Número de Slide 6"/>
+          <p:cNvSpPr>
+            <a:spLocks noGrp="1"/>
+          </p:cNvSpPr>
+          <p:nvPr>
+            <p:ph type="sldNum" sz="quarter" idx="5"/>
+          </p:nvPr>
+        </p:nvSpPr>
+        <p:spPr>
+          <a:xfrm>
+            <a:off x="3884613" y="8685213"/>
+            <a:ext cx="2971800" cy="458787"/>
+          </a:xfrm>
+          <a:prstGeom prst="rect">
+            <a:avLst/>
+          </a:prstGeom>
+        </p:spPr>
+        <p:txBody>
+          <a:bodyPr vert="horz" lIns="91440" tIns="45720" rIns="91440" bIns="45720" rtlCol="0" anchor="b"/>
+          <a:lstStyle>
+            <a:lvl1pPr algn="r">
+              <a:defRPr sz="1200"/>
+            </a:lvl1pPr>
+          </a:lstStyle>
+          <a:p>
+            <a:fld id="{8AF8DC03-79F1-4366-9198-D7A0082E8FA2}" type="slidenum">
+              <a:rPr lang="pt-BR" smtClean="0"/>
+              <a:t>‹nº›</a:t>
+            </a:fld>
+            <a:endParaRPr lang="pt-BR"/>
+          </a:p>
+        </p:txBody>
+      </p:sp>
+    </p:spTree>
+    <p:extLst>
+      <p:ext uri="{BB962C8B-B14F-4D97-AF65-F5344CB8AC3E}">
+        <p14:creationId xmlns:p14="http://schemas.microsoft.com/office/powerpoint/2010/main" val="755703925"/>
+      </p:ext>
+    </p:extLst>
+  </p:cSld>
+  <p:clrMap bg1="lt1" tx1="dk1" bg2="lt2" tx2="dk2" accent1="accent1" accent2="accent2" accent3="accent3" accent4="accent4" accent5="accent5" accent6="accent6" hlink="hlink" folHlink="folHlink"/>
+  <p:notesStyle>
+    <a:lvl1pPr marL="0" algn="l" defTabSz="914400" rtl="0" eaLnBrk="1" latinLnBrk="0" hangingPunct="1">
+      <a:defRPr sz="1200" kern="1200">
+        <a:solidFill>
+          <a:schemeClr val="tx1"/>
+        </a:solidFill>
+        <a:latin typeface="+mn-lt"/>
+        <a:ea typeface="+mn-ea"/>
+        <a:cs typeface="+mn-cs"/>
+      </a:defRPr>
+    </a:lvl1pPr>
+    <a:lvl2pPr marL="457200" algn="l" defTabSz="914400" rtl="0" eaLnBrk="1" latinLnBrk="0" hangingPunct="1">
+      <a:defRPr sz="1200" kern="1200">
+        <a:solidFill>
+          <a:schemeClr val="tx1"/>
+        </a:solidFill>
+        <a:latin typeface="+mn-lt"/>
+        <a:ea typeface="+mn-ea"/>
+        <a:cs typeface="+mn-cs"/>
+      </a:defRPr>
+    </a:lvl2pPr>
+    <a:lvl3pPr marL="914400" algn="l" defTabSz="914400" rtl="0" eaLnBrk="1" latinLnBrk="0" hangingPunct="1">
+      <a:defRPr sz="1200" kern="1200">
+        <a:solidFill>
+          <a:schemeClr val="tx1"/>
+        </a:solidFill>
+        <a:latin typeface="+mn-lt"/>
+        <a:ea typeface="+mn-ea"/>
+        <a:cs typeface="+mn-cs"/>
+      </a:defRPr>
+    </a:lvl3pPr>
+    <a:lvl4pPr marL="1371600" algn="l" defTabSz="914400" rtl="0" eaLnBrk="1" latinLnBrk="0" hangingPunct="1">
+      <a:defRPr sz="1200" kern="1200">
+        <a:solidFill>
+          <a:schemeClr val="tx1"/>
+        </a:solidFill>
+        <a:latin typeface="+mn-lt"/>
+        <a:ea typeface="+mn-ea"/>
+        <a:cs typeface="+mn-cs"/>
+      </a:defRPr>
+    </a:lvl4pPr>
+    <a:lvl5pPr marL="1828800" algn="l" defTabSz="914400" rtl="0" eaLnBrk="1" latinLnBrk="0" hangingPunct="1">
+      <a:defRPr sz="1200" kern="1200">
+        <a:solidFill>
+          <a:schemeClr val="tx1"/>
+        </a:solidFill>
+        <a:latin typeface="+mn-lt"/>
+        <a:ea typeface="+mn-ea"/>
+        <a:cs typeface="+mn-cs"/>
+      </a:defRPr>
+    </a:lvl5pPr>
+    <a:lvl6pPr marL="2286000" algn="l" defTabSz="914400" rtl="0" eaLnBrk="1" latinLnBrk="0" hangingPunct="1">
+      <a:defRPr sz="1200" kern="1200">
+        <a:solidFill>
+          <a:schemeClr val="tx1"/>
+        </a:solidFill>
+        <a:latin typeface="+mn-lt"/>
+        <a:ea typeface="+mn-ea"/>
+        <a:cs typeface="+mn-cs"/>
+      </a:defRPr>
+    </a:lvl6pPr>
+    <a:lvl7pPr marL="2743200" algn="l" defTabSz="914400" rtl="0" eaLnBrk="1" latinLnBrk="0" hangingPunct="1">
+      <a:defRPr sz="1200" kern="1200">
+        <a:solidFill>
+          <a:schemeClr val="tx1"/>
+        </a:solidFill>
+        <a:latin typeface="+mn-lt"/>
+        <a:ea typeface="+mn-ea"/>
+        <a:cs typeface="+mn-cs"/>
+      </a:defRPr>
+    </a:lvl7pPr>
+    <a:lvl8pPr marL="3200400" algn="l" defTabSz="914400" rtl="0" eaLnBrk="1" latinLnBrk="0" hangingPunct="1">
+      <a:defRPr sz="1200" kern="1200">
+        <a:solidFill>
+          <a:schemeClr val="tx1"/>
+        </a:solidFill>
+        <a:latin typeface="+mn-lt"/>
+        <a:ea typeface="+mn-ea"/>
+        <a:cs typeface="+mn-cs"/>
+      </a:defRPr>
+    </a:lvl8pPr>
+    <a:lvl9pPr marL="3657600" algn="l" defTabSz="914400" rtl="0" eaLnBrk="1" latinLnBrk="0" hangingPunct="1">
+      <a:defRPr sz="1200" kern="1200">
+        <a:solidFill>
+          <a:schemeClr val="tx1"/>
+        </a:solidFill>
+        <a:latin typeface="+mn-lt"/>
+        <a:ea typeface="+mn-ea"/>
+        <a:cs typeface="+mn-cs"/>
+      </a:defRPr>
+    </a:lvl9pPr>
+  </p:notesStyle>
+</p:notesMaster>
+</file>
+
+<file path=ppt/notesSlides/notesSlide1.xml><?xml version="1.0" encoding="utf-8"?>
+<p:notes xmlns:a="http://schemas.openxmlformats.org/drawingml/2006/main" xmlns:r="http://schemas.openxmlformats.org/officeDocument/2006/relationships" xmlns:p="http://schemas.openxmlformats.org/presentationml/2006/main">
+  <p:cSld>
+    <p:spTree>
+      <p:nvGrpSpPr>
+        <p:cNvPr id="1" name=""/>
+        <p:cNvGrpSpPr/>
+        <p:nvPr/>
+      </p:nvGrpSpPr>
+      <p:grpSpPr>
+        <a:xfrm>
+          <a:off x="0" y="0"/>
+          <a:ext cx="0" cy="0"/>
+          <a:chOff x="0" y="0"/>
+          <a:chExt cx="0" cy="0"/>
+        </a:xfrm>
+      </p:grpSpPr>
+      <p:sp>
+        <p:nvSpPr>
+          <p:cNvPr id="2" name="Espaço Reservado para Imagem de Slide 1"/>
+          <p:cNvSpPr>
+            <a:spLocks noGrp="1" noRot="1" noChangeAspect="1"/>
+          </p:cNvSpPr>
+          <p:nvPr>
+            <p:ph type="sldImg"/>
+          </p:nvPr>
+        </p:nvSpPr>
+        <p:spPr/>
+      </p:sp>
+      <p:sp>
+        <p:nvSpPr>
+          <p:cNvPr id="3" name="Espaço Reservado para Anotações 2"/>
+          <p:cNvSpPr>
+            <a:spLocks noGrp="1"/>
+          </p:cNvSpPr>
+          <p:nvPr>
+            <p:ph type="body" idx="1"/>
+          </p:nvPr>
+        </p:nvSpPr>
+        <p:spPr/>
+        <p:txBody>
+          <a:bodyPr/>
+          <a:lstStyle/>
+          <a:p>
+            <a:r>
+              <a:rPr lang="pt-BR" dirty="0"/>
+              <a:t>Tela Inicial - Eduarda</a:t>
+            </a:r>
+          </a:p>
+        </p:txBody>
+      </p:sp>
+      <p:sp>
+        <p:nvSpPr>
+          <p:cNvPr id="4" name="Espaço Reservado para Número de Slide 3"/>
+          <p:cNvSpPr>
+            <a:spLocks noGrp="1"/>
+          </p:cNvSpPr>
+          <p:nvPr>
+            <p:ph type="sldNum" sz="quarter" idx="5"/>
+          </p:nvPr>
+        </p:nvSpPr>
+        <p:spPr/>
+        <p:txBody>
+          <a:bodyPr/>
+          <a:lstStyle/>
+          <a:p>
+            <a:fld id="{8AF8DC03-79F1-4366-9198-D7A0082E8FA2}" type="slidenum">
+              <a:rPr lang="pt-BR" smtClean="0"/>
+              <a:t>1</a:t>
+            </a:fld>
+            <a:endParaRPr lang="pt-BR"/>
+          </a:p>
+        </p:txBody>
+      </p:sp>
+    </p:spTree>
+    <p:extLst>
+      <p:ext uri="{BB962C8B-B14F-4D97-AF65-F5344CB8AC3E}">
+        <p14:creationId xmlns:p14="http://schemas.microsoft.com/office/powerpoint/2010/main" val="562433192"/>
+      </p:ext>
+    </p:extLst>
+  </p:cSld>
+  <p:clrMapOvr>
+    <a:masterClrMapping/>
+  </p:clrMapOvr>
+</p:notes>
+</file>
+
+<file path=ppt/notesSlides/notesSlide10.xml><?xml version="1.0" encoding="utf-8"?>
+<p:notes xmlns:a="http://schemas.openxmlformats.org/drawingml/2006/main" xmlns:r="http://schemas.openxmlformats.org/officeDocument/2006/relationships" xmlns:p="http://schemas.openxmlformats.org/presentationml/2006/main">
+  <p:cSld>
+    <p:spTree>
+      <p:nvGrpSpPr>
+        <p:cNvPr id="1" name=""/>
+        <p:cNvGrpSpPr/>
+        <p:nvPr/>
+      </p:nvGrpSpPr>
+      <p:grpSpPr>
+        <a:xfrm>
+          <a:off x="0" y="0"/>
+          <a:ext cx="0" cy="0"/>
+          <a:chOff x="0" y="0"/>
+          <a:chExt cx="0" cy="0"/>
+        </a:xfrm>
+      </p:grpSpPr>
+      <p:sp>
+        <p:nvSpPr>
+          <p:cNvPr id="2" name="Espaço Reservado para Imagem de Slide 1"/>
+          <p:cNvSpPr>
+            <a:spLocks noGrp="1" noRot="1" noChangeAspect="1"/>
+          </p:cNvSpPr>
+          <p:nvPr>
+            <p:ph type="sldImg"/>
+          </p:nvPr>
+        </p:nvSpPr>
+        <p:spPr/>
+      </p:sp>
+      <p:sp>
+        <p:nvSpPr>
+          <p:cNvPr id="3" name="Espaço Reservado para Anotações 2"/>
+          <p:cNvSpPr>
+            <a:spLocks noGrp="1"/>
+          </p:cNvSpPr>
+          <p:nvPr>
+            <p:ph type="body" idx="1"/>
+          </p:nvPr>
+        </p:nvSpPr>
+        <p:spPr/>
+        <p:txBody>
+          <a:bodyPr/>
+          <a:lstStyle/>
+          <a:p>
+            <a:r>
+              <a:rPr lang="pt-BR" dirty="0"/>
+              <a:t>Jornada do </a:t>
+            </a:r>
+            <a:r>
+              <a:rPr lang="pt-BR" dirty="0" err="1"/>
+              <a:t>Usuario</a:t>
+            </a:r>
+            <a:r>
+              <a:rPr lang="pt-BR" dirty="0"/>
+              <a:t> 1 - ???</a:t>
+            </a:r>
+          </a:p>
+        </p:txBody>
+      </p:sp>
+      <p:sp>
+        <p:nvSpPr>
+          <p:cNvPr id="4" name="Espaço Reservado para Número de Slide 3"/>
+          <p:cNvSpPr>
+            <a:spLocks noGrp="1"/>
+          </p:cNvSpPr>
+          <p:nvPr>
+            <p:ph type="sldNum" sz="quarter" idx="5"/>
+          </p:nvPr>
+        </p:nvSpPr>
+        <p:spPr/>
+        <p:txBody>
+          <a:bodyPr/>
+          <a:lstStyle/>
+          <a:p>
+            <a:fld id="{8AF8DC03-79F1-4366-9198-D7A0082E8FA2}" type="slidenum">
+              <a:rPr lang="pt-BR" smtClean="0"/>
+              <a:t>10</a:t>
+            </a:fld>
+            <a:endParaRPr lang="pt-BR"/>
+          </a:p>
+        </p:txBody>
+      </p:sp>
+    </p:spTree>
+    <p:extLst>
+      <p:ext uri="{BB962C8B-B14F-4D97-AF65-F5344CB8AC3E}">
+        <p14:creationId xmlns:p14="http://schemas.microsoft.com/office/powerpoint/2010/main" val="3262442479"/>
+      </p:ext>
+    </p:extLst>
+  </p:cSld>
+  <p:clrMapOvr>
+    <a:masterClrMapping/>
+  </p:clrMapOvr>
+</p:notes>
+</file>
+
+<file path=ppt/notesSlides/notesSlide11.xml><?xml version="1.0" encoding="utf-8"?>
+<p:notes xmlns:a="http://schemas.openxmlformats.org/drawingml/2006/main" xmlns:r="http://schemas.openxmlformats.org/officeDocument/2006/relationships" xmlns:p="http://schemas.openxmlformats.org/presentationml/2006/main">
+  <p:cSld>
+    <p:spTree>
+      <p:nvGrpSpPr>
+        <p:cNvPr id="1" name=""/>
+        <p:cNvGrpSpPr/>
+        <p:nvPr/>
+      </p:nvGrpSpPr>
+      <p:grpSpPr>
+        <a:xfrm>
+          <a:off x="0" y="0"/>
+          <a:ext cx="0" cy="0"/>
+          <a:chOff x="0" y="0"/>
+          <a:chExt cx="0" cy="0"/>
+        </a:xfrm>
+      </p:grpSpPr>
+      <p:sp>
+        <p:nvSpPr>
+          <p:cNvPr id="2" name="Espaço Reservado para Imagem de Slide 1"/>
+          <p:cNvSpPr>
+            <a:spLocks noGrp="1" noRot="1" noChangeAspect="1"/>
+          </p:cNvSpPr>
+          <p:nvPr>
+            <p:ph type="sldImg"/>
+          </p:nvPr>
+        </p:nvSpPr>
+        <p:spPr/>
+      </p:sp>
+      <p:sp>
+        <p:nvSpPr>
+          <p:cNvPr id="3" name="Espaço Reservado para Anotações 2"/>
+          <p:cNvSpPr>
+            <a:spLocks noGrp="1"/>
+          </p:cNvSpPr>
+          <p:nvPr>
+            <p:ph type="body" idx="1"/>
+          </p:nvPr>
+        </p:nvSpPr>
+        <p:spPr/>
+        <p:txBody>
+          <a:bodyPr/>
+          <a:lstStyle/>
+          <a:p>
+            <a:r>
+              <a:rPr lang="pt-BR" dirty="0"/>
+              <a:t>Jornada do </a:t>
+            </a:r>
+            <a:r>
+              <a:rPr lang="pt-BR" dirty="0" err="1"/>
+              <a:t>Usuario</a:t>
+            </a:r>
+            <a:r>
+              <a:rPr lang="pt-BR" dirty="0"/>
+              <a:t> 2 - ???</a:t>
+            </a:r>
+          </a:p>
+        </p:txBody>
+      </p:sp>
+      <p:sp>
+        <p:nvSpPr>
+          <p:cNvPr id="4" name="Espaço Reservado para Número de Slide 3"/>
+          <p:cNvSpPr>
+            <a:spLocks noGrp="1"/>
+          </p:cNvSpPr>
+          <p:nvPr>
+            <p:ph type="sldNum" sz="quarter" idx="5"/>
+          </p:nvPr>
+        </p:nvSpPr>
+        <p:spPr/>
+        <p:txBody>
+          <a:bodyPr/>
+          <a:lstStyle/>
+          <a:p>
+            <a:fld id="{8AF8DC03-79F1-4366-9198-D7A0082E8FA2}" type="slidenum">
+              <a:rPr lang="pt-BR" smtClean="0"/>
+              <a:t>11</a:t>
+            </a:fld>
+            <a:endParaRPr lang="pt-BR"/>
+          </a:p>
+        </p:txBody>
+      </p:sp>
+    </p:spTree>
+    <p:extLst>
+      <p:ext uri="{BB962C8B-B14F-4D97-AF65-F5344CB8AC3E}">
+        <p14:creationId xmlns:p14="http://schemas.microsoft.com/office/powerpoint/2010/main" val="3172889596"/>
+      </p:ext>
+    </p:extLst>
+  </p:cSld>
+  <p:clrMapOvr>
+    <a:masterClrMapping/>
+  </p:clrMapOvr>
+</p:notes>
+</file>
+
+<file path=ppt/notesSlides/notesSlide12.xml><?xml version="1.0" encoding="utf-8"?>
+<p:notes xmlns:a="http://schemas.openxmlformats.org/drawingml/2006/main" xmlns:r="http://schemas.openxmlformats.org/officeDocument/2006/relationships" xmlns:p="http://schemas.openxmlformats.org/presentationml/2006/main">
+  <p:cSld>
+    <p:spTree>
+      <p:nvGrpSpPr>
+        <p:cNvPr id="1" name=""/>
+        <p:cNvGrpSpPr/>
+        <p:nvPr/>
+      </p:nvGrpSpPr>
+      <p:grpSpPr>
+        <a:xfrm>
+          <a:off x="0" y="0"/>
+          <a:ext cx="0" cy="0"/>
+          <a:chOff x="0" y="0"/>
+          <a:chExt cx="0" cy="0"/>
+        </a:xfrm>
+      </p:grpSpPr>
+      <p:sp>
+        <p:nvSpPr>
+          <p:cNvPr id="2" name="Espaço Reservado para Imagem de Slide 1"/>
+          <p:cNvSpPr>
+            <a:spLocks noGrp="1" noRot="1" noChangeAspect="1"/>
+          </p:cNvSpPr>
+          <p:nvPr>
+            <p:ph type="sldImg"/>
+          </p:nvPr>
+        </p:nvSpPr>
+        <p:spPr/>
+      </p:sp>
+      <p:sp>
+        <p:nvSpPr>
+          <p:cNvPr id="3" name="Espaço Reservado para Anotações 2"/>
+          <p:cNvSpPr>
+            <a:spLocks noGrp="1"/>
+          </p:cNvSpPr>
+          <p:nvPr>
+            <p:ph type="body" idx="1"/>
+          </p:nvPr>
+        </p:nvSpPr>
+        <p:spPr/>
+        <p:txBody>
+          <a:bodyPr/>
+          <a:lstStyle/>
+          <a:p>
+            <a:r>
+              <a:rPr lang="pt-BR" dirty="0"/>
+              <a:t>PM </a:t>
+            </a:r>
+            <a:r>
+              <a:rPr lang="pt-BR" dirty="0" err="1"/>
+              <a:t>Canvas</a:t>
+            </a:r>
+            <a:r>
+              <a:rPr lang="pt-BR" dirty="0"/>
+              <a:t> - Pedro</a:t>
+            </a:r>
+          </a:p>
+        </p:txBody>
+      </p:sp>
+      <p:sp>
+        <p:nvSpPr>
+          <p:cNvPr id="4" name="Espaço Reservado para Número de Slide 3"/>
+          <p:cNvSpPr>
+            <a:spLocks noGrp="1"/>
+          </p:cNvSpPr>
+          <p:nvPr>
+            <p:ph type="sldNum" sz="quarter" idx="5"/>
+          </p:nvPr>
+        </p:nvSpPr>
+        <p:spPr/>
+        <p:txBody>
+          <a:bodyPr/>
+          <a:lstStyle/>
+          <a:p>
+            <a:fld id="{8AF8DC03-79F1-4366-9198-D7A0082E8FA2}" type="slidenum">
+              <a:rPr lang="pt-BR" smtClean="0"/>
+              <a:t>12</a:t>
+            </a:fld>
+            <a:endParaRPr lang="pt-BR"/>
+          </a:p>
+        </p:txBody>
+      </p:sp>
+    </p:spTree>
+    <p:extLst>
+      <p:ext uri="{BB962C8B-B14F-4D97-AF65-F5344CB8AC3E}">
+        <p14:creationId xmlns:p14="http://schemas.microsoft.com/office/powerpoint/2010/main" val="422506037"/>
+      </p:ext>
+    </p:extLst>
+  </p:cSld>
+  <p:clrMapOvr>
+    <a:masterClrMapping/>
+  </p:clrMapOvr>
+</p:notes>
+</file>
+
+<file path=ppt/notesSlides/notesSlide13.xml><?xml version="1.0" encoding="utf-8"?>
+<p:notes xmlns:a="http://schemas.openxmlformats.org/drawingml/2006/main" xmlns:r="http://schemas.openxmlformats.org/officeDocument/2006/relationships" xmlns:p="http://schemas.openxmlformats.org/presentationml/2006/main">
+  <p:cSld>
+    <p:spTree>
+      <p:nvGrpSpPr>
+        <p:cNvPr id="1" name=""/>
+        <p:cNvGrpSpPr/>
+        <p:nvPr/>
+      </p:nvGrpSpPr>
+      <p:grpSpPr>
+        <a:xfrm>
+          <a:off x="0" y="0"/>
+          <a:ext cx="0" cy="0"/>
+          <a:chOff x="0" y="0"/>
+          <a:chExt cx="0" cy="0"/>
+        </a:xfrm>
+      </p:grpSpPr>
+      <p:sp>
+        <p:nvSpPr>
+          <p:cNvPr id="2" name="Espaço Reservado para Imagem de Slide 1"/>
+          <p:cNvSpPr>
+            <a:spLocks noGrp="1" noRot="1" noChangeAspect="1"/>
+          </p:cNvSpPr>
+          <p:nvPr>
+            <p:ph type="sldImg"/>
+          </p:nvPr>
+        </p:nvSpPr>
+        <p:spPr/>
+      </p:sp>
+      <p:sp>
+        <p:nvSpPr>
+          <p:cNvPr id="3" name="Espaço Reservado para Anotações 2"/>
+          <p:cNvSpPr>
+            <a:spLocks noGrp="1"/>
+          </p:cNvSpPr>
+          <p:nvPr>
+            <p:ph type="body" idx="1"/>
+          </p:nvPr>
+        </p:nvSpPr>
+        <p:spPr/>
+        <p:txBody>
+          <a:bodyPr/>
+          <a:lstStyle/>
+          <a:p>
+            <a:r>
+              <a:rPr lang="pt-BR" dirty="0"/>
+              <a:t>Analise de concorrência - ???</a:t>
+            </a:r>
+          </a:p>
+        </p:txBody>
+      </p:sp>
+      <p:sp>
+        <p:nvSpPr>
+          <p:cNvPr id="4" name="Espaço Reservado para Número de Slide 3"/>
+          <p:cNvSpPr>
+            <a:spLocks noGrp="1"/>
+          </p:cNvSpPr>
+          <p:nvPr>
+            <p:ph type="sldNum" sz="quarter" idx="5"/>
+          </p:nvPr>
+        </p:nvSpPr>
+        <p:spPr/>
+        <p:txBody>
+          <a:bodyPr/>
+          <a:lstStyle/>
+          <a:p>
+            <a:fld id="{8AF8DC03-79F1-4366-9198-D7A0082E8FA2}" type="slidenum">
+              <a:rPr lang="pt-BR" smtClean="0"/>
+              <a:t>13</a:t>
+            </a:fld>
+            <a:endParaRPr lang="pt-BR"/>
+          </a:p>
+        </p:txBody>
+      </p:sp>
+    </p:spTree>
+    <p:extLst>
+      <p:ext uri="{BB962C8B-B14F-4D97-AF65-F5344CB8AC3E}">
+        <p14:creationId xmlns:p14="http://schemas.microsoft.com/office/powerpoint/2010/main" val="2405477032"/>
+      </p:ext>
+    </p:extLst>
+  </p:cSld>
+  <p:clrMapOvr>
+    <a:masterClrMapping/>
+  </p:clrMapOvr>
+</p:notes>
+</file>
+
+<file path=ppt/notesSlides/notesSlide14.xml><?xml version="1.0" encoding="utf-8"?>
+<p:notes xmlns:a="http://schemas.openxmlformats.org/drawingml/2006/main" xmlns:r="http://schemas.openxmlformats.org/officeDocument/2006/relationships" xmlns:p="http://schemas.openxmlformats.org/presentationml/2006/main">
+  <p:cSld>
+    <p:spTree>
+      <p:nvGrpSpPr>
+        <p:cNvPr id="1" name=""/>
+        <p:cNvGrpSpPr/>
+        <p:nvPr/>
+      </p:nvGrpSpPr>
+      <p:grpSpPr>
+        <a:xfrm>
+          <a:off x="0" y="0"/>
+          <a:ext cx="0" cy="0"/>
+          <a:chOff x="0" y="0"/>
+          <a:chExt cx="0" cy="0"/>
+        </a:xfrm>
+      </p:grpSpPr>
+      <p:sp>
+        <p:nvSpPr>
+          <p:cNvPr id="2" name="Espaço Reservado para Imagem de Slide 1"/>
+          <p:cNvSpPr>
+            <a:spLocks noGrp="1" noRot="1" noChangeAspect="1"/>
+          </p:cNvSpPr>
+          <p:nvPr>
+            <p:ph type="sldImg"/>
+          </p:nvPr>
+        </p:nvSpPr>
+        <p:spPr/>
+      </p:sp>
+      <p:sp>
+        <p:nvSpPr>
+          <p:cNvPr id="3" name="Espaço Reservado para Anotações 2"/>
+          <p:cNvSpPr>
+            <a:spLocks noGrp="1"/>
+          </p:cNvSpPr>
+          <p:nvPr>
+            <p:ph type="body" idx="1"/>
+          </p:nvPr>
+        </p:nvSpPr>
+        <p:spPr/>
+        <p:txBody>
+          <a:bodyPr/>
+          <a:lstStyle/>
+          <a:p>
+            <a:r>
+              <a:rPr lang="pt-BR" dirty="0"/>
+              <a:t>Backlog - ???</a:t>
+            </a:r>
+          </a:p>
+        </p:txBody>
+      </p:sp>
+      <p:sp>
+        <p:nvSpPr>
+          <p:cNvPr id="4" name="Espaço Reservado para Número de Slide 3"/>
+          <p:cNvSpPr>
+            <a:spLocks noGrp="1"/>
+          </p:cNvSpPr>
+          <p:nvPr>
+            <p:ph type="sldNum" sz="quarter" idx="5"/>
+          </p:nvPr>
+        </p:nvSpPr>
+        <p:spPr/>
+        <p:txBody>
+          <a:bodyPr/>
+          <a:lstStyle/>
+          <a:p>
+            <a:fld id="{8AF8DC03-79F1-4366-9198-D7A0082E8FA2}" type="slidenum">
+              <a:rPr lang="pt-BR" smtClean="0"/>
+              <a:t>14</a:t>
+            </a:fld>
+            <a:endParaRPr lang="pt-BR"/>
+          </a:p>
+        </p:txBody>
+      </p:sp>
+    </p:spTree>
+    <p:extLst>
+      <p:ext uri="{BB962C8B-B14F-4D97-AF65-F5344CB8AC3E}">
+        <p14:creationId xmlns:p14="http://schemas.microsoft.com/office/powerpoint/2010/main" val="2126280008"/>
+      </p:ext>
+    </p:extLst>
+  </p:cSld>
+  <p:clrMapOvr>
+    <a:masterClrMapping/>
+  </p:clrMapOvr>
+</p:notes>
+</file>
+
+<file path=ppt/notesSlides/notesSlide15.xml><?xml version="1.0" encoding="utf-8"?>
+<p:notes xmlns:a="http://schemas.openxmlformats.org/drawingml/2006/main" xmlns:r="http://schemas.openxmlformats.org/officeDocument/2006/relationships" xmlns:p="http://schemas.openxmlformats.org/presentationml/2006/main">
+  <p:cSld>
+    <p:spTree>
+      <p:nvGrpSpPr>
+        <p:cNvPr id="1" name=""/>
+        <p:cNvGrpSpPr/>
+        <p:nvPr/>
+      </p:nvGrpSpPr>
+      <p:grpSpPr>
+        <a:xfrm>
+          <a:off x="0" y="0"/>
+          <a:ext cx="0" cy="0"/>
+          <a:chOff x="0" y="0"/>
+          <a:chExt cx="0" cy="0"/>
+        </a:xfrm>
+      </p:grpSpPr>
+      <p:sp>
+        <p:nvSpPr>
+          <p:cNvPr id="2" name="Espaço Reservado para Imagem de Slide 1"/>
+          <p:cNvSpPr>
+            <a:spLocks noGrp="1" noRot="1" noChangeAspect="1"/>
+          </p:cNvSpPr>
+          <p:nvPr>
+            <p:ph type="sldImg"/>
+          </p:nvPr>
+        </p:nvSpPr>
+        <p:spPr/>
+      </p:sp>
+      <p:sp>
+        <p:nvSpPr>
+          <p:cNvPr id="3" name="Espaço Reservado para Anotações 2"/>
+          <p:cNvSpPr>
+            <a:spLocks noGrp="1"/>
+          </p:cNvSpPr>
+          <p:nvPr>
+            <p:ph type="body" idx="1"/>
+          </p:nvPr>
+        </p:nvSpPr>
+        <p:spPr/>
+        <p:txBody>
+          <a:bodyPr/>
+          <a:lstStyle/>
+          <a:p>
+            <a:r>
+              <a:rPr lang="pt-BR" dirty="0"/>
+              <a:t>Modelagem de dados - Jairo</a:t>
+            </a:r>
+          </a:p>
+        </p:txBody>
+      </p:sp>
+      <p:sp>
+        <p:nvSpPr>
+          <p:cNvPr id="4" name="Espaço Reservado para Número de Slide 3"/>
+          <p:cNvSpPr>
+            <a:spLocks noGrp="1"/>
+          </p:cNvSpPr>
+          <p:nvPr>
+            <p:ph type="sldNum" sz="quarter" idx="5"/>
+          </p:nvPr>
+        </p:nvSpPr>
+        <p:spPr/>
+        <p:txBody>
+          <a:bodyPr/>
+          <a:lstStyle/>
+          <a:p>
+            <a:fld id="{8AF8DC03-79F1-4366-9198-D7A0082E8FA2}" type="slidenum">
+              <a:rPr lang="pt-BR" smtClean="0"/>
+              <a:t>15</a:t>
+            </a:fld>
+            <a:endParaRPr lang="pt-BR"/>
+          </a:p>
+        </p:txBody>
+      </p:sp>
+    </p:spTree>
+    <p:extLst>
+      <p:ext uri="{BB962C8B-B14F-4D97-AF65-F5344CB8AC3E}">
+        <p14:creationId xmlns:p14="http://schemas.microsoft.com/office/powerpoint/2010/main" val="4185332537"/>
+      </p:ext>
+    </p:extLst>
+  </p:cSld>
+  <p:clrMapOvr>
+    <a:masterClrMapping/>
+  </p:clrMapOvr>
+</p:notes>
+</file>
+
+<file path=ppt/notesSlides/notesSlide16.xml><?xml version="1.0" encoding="utf-8"?>
+<p:notes xmlns:a="http://schemas.openxmlformats.org/drawingml/2006/main" xmlns:r="http://schemas.openxmlformats.org/officeDocument/2006/relationships" xmlns:p="http://schemas.openxmlformats.org/presentationml/2006/main">
+  <p:cSld>
+    <p:spTree>
+      <p:nvGrpSpPr>
+        <p:cNvPr id="1" name=""/>
+        <p:cNvGrpSpPr/>
+        <p:nvPr/>
+      </p:nvGrpSpPr>
+      <p:grpSpPr>
+        <a:xfrm>
+          <a:off x="0" y="0"/>
+          <a:ext cx="0" cy="0"/>
+          <a:chOff x="0" y="0"/>
+          <a:chExt cx="0" cy="0"/>
+        </a:xfrm>
+      </p:grpSpPr>
+      <p:sp>
+        <p:nvSpPr>
+          <p:cNvPr id="2" name="Espaço Reservado para Imagem de Slide 1"/>
+          <p:cNvSpPr>
+            <a:spLocks noGrp="1" noRot="1" noChangeAspect="1"/>
+          </p:cNvSpPr>
+          <p:nvPr>
+            <p:ph type="sldImg"/>
+          </p:nvPr>
+        </p:nvSpPr>
+        <p:spPr/>
+      </p:sp>
+      <p:sp>
+        <p:nvSpPr>
+          <p:cNvPr id="3" name="Espaço Reservado para Anotações 2"/>
+          <p:cNvSpPr>
+            <a:spLocks noGrp="1"/>
+          </p:cNvSpPr>
+          <p:nvPr>
+            <p:ph type="body" idx="1"/>
+          </p:nvPr>
+        </p:nvSpPr>
+        <p:spPr/>
+        <p:txBody>
+          <a:bodyPr/>
+          <a:lstStyle/>
+          <a:p>
+            <a:r>
+              <a:rPr lang="pt-BR" dirty="0"/>
+              <a:t>Planejamento - Matheus</a:t>
+            </a:r>
+          </a:p>
+        </p:txBody>
+      </p:sp>
+      <p:sp>
+        <p:nvSpPr>
+          <p:cNvPr id="4" name="Espaço Reservado para Número de Slide 3"/>
+          <p:cNvSpPr>
+            <a:spLocks noGrp="1"/>
+          </p:cNvSpPr>
+          <p:nvPr>
+            <p:ph type="sldNum" sz="quarter" idx="5"/>
+          </p:nvPr>
+        </p:nvSpPr>
+        <p:spPr/>
+        <p:txBody>
+          <a:bodyPr/>
+          <a:lstStyle/>
+          <a:p>
+            <a:fld id="{8AF8DC03-79F1-4366-9198-D7A0082E8FA2}" type="slidenum">
+              <a:rPr lang="pt-BR" smtClean="0"/>
+              <a:t>16</a:t>
+            </a:fld>
+            <a:endParaRPr lang="pt-BR"/>
+          </a:p>
+        </p:txBody>
+      </p:sp>
+    </p:spTree>
+    <p:extLst>
+      <p:ext uri="{BB962C8B-B14F-4D97-AF65-F5344CB8AC3E}">
+        <p14:creationId xmlns:p14="http://schemas.microsoft.com/office/powerpoint/2010/main" val="2268267671"/>
+      </p:ext>
+    </p:extLst>
+  </p:cSld>
+  <p:clrMapOvr>
+    <a:masterClrMapping/>
+  </p:clrMapOvr>
+</p:notes>
+</file>
+
+<file path=ppt/notesSlides/notesSlide17.xml><?xml version="1.0" encoding="utf-8"?>
+<p:notes xmlns:a="http://schemas.openxmlformats.org/drawingml/2006/main" xmlns:r="http://schemas.openxmlformats.org/officeDocument/2006/relationships" xmlns:p="http://schemas.openxmlformats.org/presentationml/2006/main">
+  <p:cSld>
+    <p:spTree>
+      <p:nvGrpSpPr>
+        <p:cNvPr id="1" name=""/>
+        <p:cNvGrpSpPr/>
+        <p:nvPr/>
+      </p:nvGrpSpPr>
+      <p:grpSpPr>
+        <a:xfrm>
+          <a:off x="0" y="0"/>
+          <a:ext cx="0" cy="0"/>
+          <a:chOff x="0" y="0"/>
+          <a:chExt cx="0" cy="0"/>
+        </a:xfrm>
+      </p:grpSpPr>
+      <p:sp>
+        <p:nvSpPr>
+          <p:cNvPr id="2" name="Espaço Reservado para Imagem de Slide 1"/>
+          <p:cNvSpPr>
+            <a:spLocks noGrp="1" noRot="1" noChangeAspect="1"/>
+          </p:cNvSpPr>
+          <p:nvPr>
+            <p:ph type="sldImg"/>
+          </p:nvPr>
+        </p:nvSpPr>
+        <p:spPr/>
+      </p:sp>
+      <p:sp>
+        <p:nvSpPr>
+          <p:cNvPr id="3" name="Espaço Reservado para Anotações 2"/>
+          <p:cNvSpPr>
+            <a:spLocks noGrp="1"/>
+          </p:cNvSpPr>
+          <p:nvPr>
+            <p:ph type="body" idx="1"/>
+          </p:nvPr>
+        </p:nvSpPr>
+        <p:spPr/>
+        <p:txBody>
+          <a:bodyPr/>
+          <a:lstStyle/>
+          <a:p>
+            <a:r>
+              <a:rPr lang="pt-BR" dirty="0"/>
+              <a:t>Execução - Matheus</a:t>
+            </a:r>
+          </a:p>
+        </p:txBody>
+      </p:sp>
+      <p:sp>
+        <p:nvSpPr>
+          <p:cNvPr id="4" name="Espaço Reservado para Número de Slide 3"/>
+          <p:cNvSpPr>
+            <a:spLocks noGrp="1"/>
+          </p:cNvSpPr>
+          <p:nvPr>
+            <p:ph type="sldNum" sz="quarter" idx="5"/>
+          </p:nvPr>
+        </p:nvSpPr>
+        <p:spPr/>
+        <p:txBody>
+          <a:bodyPr/>
+          <a:lstStyle/>
+          <a:p>
+            <a:fld id="{8AF8DC03-79F1-4366-9198-D7A0082E8FA2}" type="slidenum">
+              <a:rPr lang="pt-BR" smtClean="0"/>
+              <a:t>17</a:t>
+            </a:fld>
+            <a:endParaRPr lang="pt-BR"/>
+          </a:p>
+        </p:txBody>
+      </p:sp>
+    </p:spTree>
+    <p:extLst>
+      <p:ext uri="{BB962C8B-B14F-4D97-AF65-F5344CB8AC3E}">
+        <p14:creationId xmlns:p14="http://schemas.microsoft.com/office/powerpoint/2010/main" val="2116245592"/>
+      </p:ext>
+    </p:extLst>
+  </p:cSld>
+  <p:clrMapOvr>
+    <a:masterClrMapping/>
+  </p:clrMapOvr>
+</p:notes>
+</file>
+
+<file path=ppt/notesSlides/notesSlide18.xml><?xml version="1.0" encoding="utf-8"?>
+<p:notes xmlns:a="http://schemas.openxmlformats.org/drawingml/2006/main" xmlns:r="http://schemas.openxmlformats.org/officeDocument/2006/relationships" xmlns:p="http://schemas.openxmlformats.org/presentationml/2006/main">
+  <p:cSld>
+    <p:spTree>
+      <p:nvGrpSpPr>
+        <p:cNvPr id="1" name=""/>
+        <p:cNvGrpSpPr/>
+        <p:nvPr/>
+      </p:nvGrpSpPr>
+      <p:grpSpPr>
+        <a:xfrm>
+          <a:off x="0" y="0"/>
+          <a:ext cx="0" cy="0"/>
+          <a:chOff x="0" y="0"/>
+          <a:chExt cx="0" cy="0"/>
+        </a:xfrm>
+      </p:grpSpPr>
+      <p:sp>
+        <p:nvSpPr>
+          <p:cNvPr id="2" name="Espaço Reservado para Imagem de Slide 1"/>
+          <p:cNvSpPr>
+            <a:spLocks noGrp="1" noRot="1" noChangeAspect="1"/>
+          </p:cNvSpPr>
+          <p:nvPr>
+            <p:ph type="sldImg"/>
+          </p:nvPr>
+        </p:nvSpPr>
+        <p:spPr/>
+      </p:sp>
+      <p:sp>
+        <p:nvSpPr>
+          <p:cNvPr id="3" name="Espaço Reservado para Anotações 2"/>
+          <p:cNvSpPr>
+            <a:spLocks noGrp="1"/>
+          </p:cNvSpPr>
+          <p:nvPr>
+            <p:ph type="body" idx="1"/>
+          </p:nvPr>
+        </p:nvSpPr>
+        <p:spPr/>
+        <p:txBody>
+          <a:bodyPr/>
+          <a:lstStyle/>
+          <a:p>
+            <a:r>
+              <a:rPr lang="pt-BR" dirty="0"/>
+              <a:t>Divisão das tarefas - ???</a:t>
+            </a:r>
+          </a:p>
+        </p:txBody>
+      </p:sp>
+      <p:sp>
+        <p:nvSpPr>
+          <p:cNvPr id="4" name="Espaço Reservado para Número de Slide 3"/>
+          <p:cNvSpPr>
+            <a:spLocks noGrp="1"/>
+          </p:cNvSpPr>
+          <p:nvPr>
+            <p:ph type="sldNum" sz="quarter" idx="5"/>
+          </p:nvPr>
+        </p:nvSpPr>
+        <p:spPr/>
+        <p:txBody>
+          <a:bodyPr/>
+          <a:lstStyle/>
+          <a:p>
+            <a:fld id="{8AF8DC03-79F1-4366-9198-D7A0082E8FA2}" type="slidenum">
+              <a:rPr lang="pt-BR" smtClean="0"/>
+              <a:t>18</a:t>
+            </a:fld>
+            <a:endParaRPr lang="pt-BR"/>
+          </a:p>
+        </p:txBody>
+      </p:sp>
+    </p:spTree>
+    <p:extLst>
+      <p:ext uri="{BB962C8B-B14F-4D97-AF65-F5344CB8AC3E}">
+        <p14:creationId xmlns:p14="http://schemas.microsoft.com/office/powerpoint/2010/main" val="4229476201"/>
+      </p:ext>
+    </p:extLst>
+  </p:cSld>
+  <p:clrMapOvr>
+    <a:masterClrMapping/>
+  </p:clrMapOvr>
+</p:notes>
+</file>
+
+<file path=ppt/notesSlides/notesSlide19.xml><?xml version="1.0" encoding="utf-8"?>
+<p:notes xmlns:a="http://schemas.openxmlformats.org/drawingml/2006/main" xmlns:r="http://schemas.openxmlformats.org/officeDocument/2006/relationships" xmlns:p="http://schemas.openxmlformats.org/presentationml/2006/main">
+  <p:cSld>
+    <p:spTree>
+      <p:nvGrpSpPr>
+        <p:cNvPr id="1" name=""/>
+        <p:cNvGrpSpPr/>
+        <p:nvPr/>
+      </p:nvGrpSpPr>
+      <p:grpSpPr>
+        <a:xfrm>
+          <a:off x="0" y="0"/>
+          <a:ext cx="0" cy="0"/>
+          <a:chOff x="0" y="0"/>
+          <a:chExt cx="0" cy="0"/>
+        </a:xfrm>
+      </p:grpSpPr>
+      <p:sp>
+        <p:nvSpPr>
+          <p:cNvPr id="2" name="Espaço Reservado para Imagem de Slide 1"/>
+          <p:cNvSpPr>
+            <a:spLocks noGrp="1" noRot="1" noChangeAspect="1"/>
+          </p:cNvSpPr>
+          <p:nvPr>
+            <p:ph type="sldImg"/>
+          </p:nvPr>
+        </p:nvSpPr>
+        <p:spPr/>
+      </p:sp>
+      <p:sp>
+        <p:nvSpPr>
+          <p:cNvPr id="3" name="Espaço Reservado para Anotações 2"/>
+          <p:cNvSpPr>
+            <a:spLocks noGrp="1"/>
+          </p:cNvSpPr>
+          <p:nvPr>
+            <p:ph type="body" idx="1"/>
+          </p:nvPr>
+        </p:nvSpPr>
+        <p:spPr/>
+        <p:txBody>
+          <a:bodyPr/>
+          <a:lstStyle/>
+          <a:p>
+            <a:r>
+              <a:rPr lang="pt-BR" dirty="0"/>
+              <a:t>Demonstração – Site: Jairo / Protótipo: Leonardo</a:t>
+            </a:r>
+          </a:p>
+        </p:txBody>
+      </p:sp>
+      <p:sp>
+        <p:nvSpPr>
+          <p:cNvPr id="4" name="Espaço Reservado para Número de Slide 3"/>
+          <p:cNvSpPr>
+            <a:spLocks noGrp="1"/>
+          </p:cNvSpPr>
+          <p:nvPr>
+            <p:ph type="sldNum" sz="quarter" idx="5"/>
+          </p:nvPr>
+        </p:nvSpPr>
+        <p:spPr/>
+        <p:txBody>
+          <a:bodyPr/>
+          <a:lstStyle/>
+          <a:p>
+            <a:fld id="{8AF8DC03-79F1-4366-9198-D7A0082E8FA2}" type="slidenum">
+              <a:rPr lang="pt-BR" smtClean="0"/>
+              <a:t>19</a:t>
+            </a:fld>
+            <a:endParaRPr lang="pt-BR"/>
+          </a:p>
+        </p:txBody>
+      </p:sp>
+    </p:spTree>
+    <p:extLst>
+      <p:ext uri="{BB962C8B-B14F-4D97-AF65-F5344CB8AC3E}">
+        <p14:creationId xmlns:p14="http://schemas.microsoft.com/office/powerpoint/2010/main" val="694756564"/>
+      </p:ext>
+    </p:extLst>
+  </p:cSld>
+  <p:clrMapOvr>
+    <a:masterClrMapping/>
+  </p:clrMapOvr>
+</p:notes>
+</file>
+
+<file path=ppt/notesSlides/notesSlide2.xml><?xml version="1.0" encoding="utf-8"?>
+<p:notes xmlns:a="http://schemas.openxmlformats.org/drawingml/2006/main" xmlns:r="http://schemas.openxmlformats.org/officeDocument/2006/relationships" xmlns:p="http://schemas.openxmlformats.org/presentationml/2006/main">
+  <p:cSld>
+    <p:spTree>
+      <p:nvGrpSpPr>
+        <p:cNvPr id="1" name=""/>
+        <p:cNvGrpSpPr/>
+        <p:nvPr/>
+      </p:nvGrpSpPr>
+      <p:grpSpPr>
+        <a:xfrm>
+          <a:off x="0" y="0"/>
+          <a:ext cx="0" cy="0"/>
+          <a:chOff x="0" y="0"/>
+          <a:chExt cx="0" cy="0"/>
+        </a:xfrm>
+      </p:grpSpPr>
+      <p:sp>
+        <p:nvSpPr>
+          <p:cNvPr id="2" name="Espaço Reservado para Imagem de Slide 1"/>
+          <p:cNvSpPr>
+            <a:spLocks noGrp="1" noRot="1" noChangeAspect="1"/>
+          </p:cNvSpPr>
+          <p:nvPr>
+            <p:ph type="sldImg"/>
+          </p:nvPr>
+        </p:nvSpPr>
+        <p:spPr/>
+      </p:sp>
+      <p:sp>
+        <p:nvSpPr>
+          <p:cNvPr id="3" name="Espaço Reservado para Anotações 2"/>
+          <p:cNvSpPr>
+            <a:spLocks noGrp="1"/>
+          </p:cNvSpPr>
+          <p:nvPr>
+            <p:ph type="body" idx="1"/>
+          </p:nvPr>
+        </p:nvSpPr>
+        <p:spPr/>
+        <p:txBody>
+          <a:bodyPr/>
+          <a:lstStyle/>
+          <a:p>
+            <a:r>
+              <a:rPr lang="pt-BR" dirty="0"/>
+              <a:t>Quem Somos - Eduarda</a:t>
+            </a:r>
+          </a:p>
+        </p:txBody>
+      </p:sp>
+      <p:sp>
+        <p:nvSpPr>
+          <p:cNvPr id="4" name="Espaço Reservado para Número de Slide 3"/>
+          <p:cNvSpPr>
+            <a:spLocks noGrp="1"/>
+          </p:cNvSpPr>
+          <p:nvPr>
+            <p:ph type="sldNum" sz="quarter" idx="5"/>
+          </p:nvPr>
+        </p:nvSpPr>
+        <p:spPr/>
+        <p:txBody>
+          <a:bodyPr/>
+          <a:lstStyle/>
+          <a:p>
+            <a:fld id="{8AF8DC03-79F1-4366-9198-D7A0082E8FA2}" type="slidenum">
+              <a:rPr lang="pt-BR" smtClean="0"/>
+              <a:t>2</a:t>
+            </a:fld>
+            <a:endParaRPr lang="pt-BR"/>
+          </a:p>
+        </p:txBody>
+      </p:sp>
+    </p:spTree>
+    <p:extLst>
+      <p:ext uri="{BB962C8B-B14F-4D97-AF65-F5344CB8AC3E}">
+        <p14:creationId xmlns:p14="http://schemas.microsoft.com/office/powerpoint/2010/main" val="3473128903"/>
+      </p:ext>
+    </p:extLst>
+  </p:cSld>
+  <p:clrMapOvr>
+    <a:masterClrMapping/>
+  </p:clrMapOvr>
+</p:notes>
+</file>
+
+<file path=ppt/notesSlides/notesSlide3.xml><?xml version="1.0" encoding="utf-8"?>
+<p:notes xmlns:a="http://schemas.openxmlformats.org/drawingml/2006/main" xmlns:r="http://schemas.openxmlformats.org/officeDocument/2006/relationships" xmlns:p="http://schemas.openxmlformats.org/presentationml/2006/main">
+  <p:cSld>
+    <p:spTree>
+      <p:nvGrpSpPr>
+        <p:cNvPr id="1" name=""/>
+        <p:cNvGrpSpPr/>
+        <p:nvPr/>
+      </p:nvGrpSpPr>
+      <p:grpSpPr>
+        <a:xfrm>
+          <a:off x="0" y="0"/>
+          <a:ext cx="0" cy="0"/>
+          <a:chOff x="0" y="0"/>
+          <a:chExt cx="0" cy="0"/>
+        </a:xfrm>
+      </p:grpSpPr>
+      <p:sp>
+        <p:nvSpPr>
+          <p:cNvPr id="2" name="Espaço Reservado para Imagem de Slide 1"/>
+          <p:cNvSpPr>
+            <a:spLocks noGrp="1" noRot="1" noChangeAspect="1"/>
+          </p:cNvSpPr>
+          <p:nvPr>
+            <p:ph type="sldImg"/>
+          </p:nvPr>
+        </p:nvSpPr>
+        <p:spPr/>
+      </p:sp>
+      <p:sp>
+        <p:nvSpPr>
+          <p:cNvPr id="3" name="Espaço Reservado para Anotações 2"/>
+          <p:cNvSpPr>
+            <a:spLocks noGrp="1"/>
+          </p:cNvSpPr>
+          <p:nvPr>
+            <p:ph type="body" idx="1"/>
+          </p:nvPr>
+        </p:nvSpPr>
+        <p:spPr/>
+        <p:txBody>
+          <a:bodyPr/>
+          <a:lstStyle/>
+          <a:p>
+            <a:r>
+              <a:rPr lang="pt-BR" dirty="0"/>
+              <a:t>Contextualização - Eduarda</a:t>
+            </a:r>
+          </a:p>
+        </p:txBody>
+      </p:sp>
+      <p:sp>
+        <p:nvSpPr>
+          <p:cNvPr id="4" name="Espaço Reservado para Número de Slide 3"/>
+          <p:cNvSpPr>
+            <a:spLocks noGrp="1"/>
+          </p:cNvSpPr>
+          <p:nvPr>
+            <p:ph type="sldNum" sz="quarter" idx="5"/>
+          </p:nvPr>
+        </p:nvSpPr>
+        <p:spPr/>
+        <p:txBody>
+          <a:bodyPr/>
+          <a:lstStyle/>
+          <a:p>
+            <a:fld id="{8AF8DC03-79F1-4366-9198-D7A0082E8FA2}" type="slidenum">
+              <a:rPr lang="pt-BR" smtClean="0"/>
+              <a:t>3</a:t>
+            </a:fld>
+            <a:endParaRPr lang="pt-BR"/>
+          </a:p>
+        </p:txBody>
+      </p:sp>
+    </p:spTree>
+    <p:extLst>
+      <p:ext uri="{BB962C8B-B14F-4D97-AF65-F5344CB8AC3E}">
+        <p14:creationId xmlns:p14="http://schemas.microsoft.com/office/powerpoint/2010/main" val="2044334440"/>
+      </p:ext>
+    </p:extLst>
+  </p:cSld>
+  <p:clrMapOvr>
+    <a:masterClrMapping/>
+  </p:clrMapOvr>
+</p:notes>
+</file>
+
+<file path=ppt/notesSlides/notesSlide4.xml><?xml version="1.0" encoding="utf-8"?>
+<p:notes xmlns:a="http://schemas.openxmlformats.org/drawingml/2006/main" xmlns:r="http://schemas.openxmlformats.org/officeDocument/2006/relationships" xmlns:p="http://schemas.openxmlformats.org/presentationml/2006/main">
+  <p:cSld>
+    <p:spTree>
+      <p:nvGrpSpPr>
+        <p:cNvPr id="1" name=""/>
+        <p:cNvGrpSpPr/>
+        <p:nvPr/>
+      </p:nvGrpSpPr>
+      <p:grpSpPr>
+        <a:xfrm>
+          <a:off x="0" y="0"/>
+          <a:ext cx="0" cy="0"/>
+          <a:chOff x="0" y="0"/>
+          <a:chExt cx="0" cy="0"/>
+        </a:xfrm>
+      </p:grpSpPr>
+      <p:sp>
+        <p:nvSpPr>
+          <p:cNvPr id="2" name="Espaço Reservado para Imagem de Slide 1"/>
+          <p:cNvSpPr>
+            <a:spLocks noGrp="1" noRot="1" noChangeAspect="1"/>
+          </p:cNvSpPr>
+          <p:nvPr>
+            <p:ph type="sldImg"/>
+          </p:nvPr>
+        </p:nvSpPr>
+        <p:spPr/>
+      </p:sp>
+      <p:sp>
+        <p:nvSpPr>
+          <p:cNvPr id="3" name="Espaço Reservado para Anotações 2"/>
+          <p:cNvSpPr>
+            <a:spLocks noGrp="1"/>
+          </p:cNvSpPr>
+          <p:nvPr>
+            <p:ph type="body" idx="1"/>
+          </p:nvPr>
+        </p:nvSpPr>
+        <p:spPr/>
+        <p:txBody>
+          <a:bodyPr/>
+          <a:lstStyle/>
+          <a:p>
+            <a:r>
+              <a:rPr lang="pt-BR" dirty="0"/>
+              <a:t>Inovação - Eduarda</a:t>
+            </a:r>
+          </a:p>
+        </p:txBody>
+      </p:sp>
+      <p:sp>
+        <p:nvSpPr>
+          <p:cNvPr id="4" name="Espaço Reservado para Número de Slide 3"/>
+          <p:cNvSpPr>
+            <a:spLocks noGrp="1"/>
+          </p:cNvSpPr>
+          <p:nvPr>
+            <p:ph type="sldNum" sz="quarter" idx="5"/>
+          </p:nvPr>
+        </p:nvSpPr>
+        <p:spPr/>
+        <p:txBody>
+          <a:bodyPr/>
+          <a:lstStyle/>
+          <a:p>
+            <a:fld id="{8AF8DC03-79F1-4366-9198-D7A0082E8FA2}" type="slidenum">
+              <a:rPr lang="pt-BR" smtClean="0"/>
+              <a:t>4</a:t>
+            </a:fld>
+            <a:endParaRPr lang="pt-BR"/>
+          </a:p>
+        </p:txBody>
+      </p:sp>
+    </p:spTree>
+    <p:extLst>
+      <p:ext uri="{BB962C8B-B14F-4D97-AF65-F5344CB8AC3E}">
+        <p14:creationId xmlns:p14="http://schemas.microsoft.com/office/powerpoint/2010/main" val="56918379"/>
+      </p:ext>
+    </p:extLst>
+  </p:cSld>
+  <p:clrMapOvr>
+    <a:masterClrMapping/>
+  </p:clrMapOvr>
+</p:notes>
+</file>
+
+<file path=ppt/notesSlides/notesSlide5.xml><?xml version="1.0" encoding="utf-8"?>
+<p:notes xmlns:a="http://schemas.openxmlformats.org/drawingml/2006/main" xmlns:r="http://schemas.openxmlformats.org/officeDocument/2006/relationships" xmlns:p="http://schemas.openxmlformats.org/presentationml/2006/main">
+  <p:cSld>
+    <p:spTree>
+      <p:nvGrpSpPr>
+        <p:cNvPr id="1" name=""/>
+        <p:cNvGrpSpPr/>
+        <p:nvPr/>
+      </p:nvGrpSpPr>
+      <p:grpSpPr>
+        <a:xfrm>
+          <a:off x="0" y="0"/>
+          <a:ext cx="0" cy="0"/>
+          <a:chOff x="0" y="0"/>
+          <a:chExt cx="0" cy="0"/>
+        </a:xfrm>
+      </p:grpSpPr>
+      <p:sp>
+        <p:nvSpPr>
+          <p:cNvPr id="2" name="Espaço Reservado para Imagem de Slide 1"/>
+          <p:cNvSpPr>
+            <a:spLocks noGrp="1" noRot="1" noChangeAspect="1"/>
+          </p:cNvSpPr>
+          <p:nvPr>
+            <p:ph type="sldImg"/>
+          </p:nvPr>
+        </p:nvSpPr>
+        <p:spPr/>
+      </p:sp>
+      <p:sp>
+        <p:nvSpPr>
+          <p:cNvPr id="3" name="Espaço Reservado para Anotações 2"/>
+          <p:cNvSpPr>
+            <a:spLocks noGrp="1"/>
+          </p:cNvSpPr>
+          <p:nvPr>
+            <p:ph type="body" idx="1"/>
+          </p:nvPr>
+        </p:nvSpPr>
+        <p:spPr/>
+        <p:txBody>
+          <a:bodyPr/>
+          <a:lstStyle/>
+          <a:p>
+            <a:r>
+              <a:rPr lang="pt-BR" dirty="0"/>
+              <a:t>Persona 1 - Eduarda</a:t>
+            </a:r>
+          </a:p>
+        </p:txBody>
+      </p:sp>
+      <p:sp>
+        <p:nvSpPr>
+          <p:cNvPr id="4" name="Espaço Reservado para Número de Slide 3"/>
+          <p:cNvSpPr>
+            <a:spLocks noGrp="1"/>
+          </p:cNvSpPr>
+          <p:nvPr>
+            <p:ph type="sldNum" sz="quarter" idx="5"/>
+          </p:nvPr>
+        </p:nvSpPr>
+        <p:spPr/>
+        <p:txBody>
+          <a:bodyPr/>
+          <a:lstStyle/>
+          <a:p>
+            <a:fld id="{8AF8DC03-79F1-4366-9198-D7A0082E8FA2}" type="slidenum">
+              <a:rPr lang="pt-BR" smtClean="0"/>
+              <a:t>5</a:t>
+            </a:fld>
+            <a:endParaRPr lang="pt-BR"/>
+          </a:p>
+        </p:txBody>
+      </p:sp>
+    </p:spTree>
+    <p:extLst>
+      <p:ext uri="{BB962C8B-B14F-4D97-AF65-F5344CB8AC3E}">
+        <p14:creationId xmlns:p14="http://schemas.microsoft.com/office/powerpoint/2010/main" val="682810343"/>
+      </p:ext>
+    </p:extLst>
+  </p:cSld>
+  <p:clrMapOvr>
+    <a:masterClrMapping/>
+  </p:clrMapOvr>
+</p:notes>
+</file>
+
+<file path=ppt/notesSlides/notesSlide6.xml><?xml version="1.0" encoding="utf-8"?>
+<p:notes xmlns:a="http://schemas.openxmlformats.org/drawingml/2006/main" xmlns:r="http://schemas.openxmlformats.org/officeDocument/2006/relationships" xmlns:p="http://schemas.openxmlformats.org/presentationml/2006/main">
+  <p:cSld>
+    <p:spTree>
+      <p:nvGrpSpPr>
+        <p:cNvPr id="1" name=""/>
+        <p:cNvGrpSpPr/>
+        <p:nvPr/>
+      </p:nvGrpSpPr>
+      <p:grpSpPr>
+        <a:xfrm>
+          <a:off x="0" y="0"/>
+          <a:ext cx="0" cy="0"/>
+          <a:chOff x="0" y="0"/>
+          <a:chExt cx="0" cy="0"/>
+        </a:xfrm>
+      </p:grpSpPr>
+      <p:sp>
+        <p:nvSpPr>
+          <p:cNvPr id="2" name="Espaço Reservado para Imagem de Slide 1"/>
+          <p:cNvSpPr>
+            <a:spLocks noGrp="1" noRot="1" noChangeAspect="1"/>
+          </p:cNvSpPr>
+          <p:nvPr>
+            <p:ph type="sldImg"/>
+          </p:nvPr>
+        </p:nvSpPr>
+        <p:spPr/>
+      </p:sp>
+      <p:sp>
+        <p:nvSpPr>
+          <p:cNvPr id="3" name="Espaço Reservado para Anotações 2"/>
+          <p:cNvSpPr>
+            <a:spLocks noGrp="1"/>
+          </p:cNvSpPr>
+          <p:nvPr>
+            <p:ph type="body" idx="1"/>
+          </p:nvPr>
+        </p:nvSpPr>
+        <p:spPr/>
+        <p:txBody>
+          <a:bodyPr/>
+          <a:lstStyle/>
+          <a:p>
+            <a:r>
+              <a:rPr lang="pt-BR" dirty="0"/>
+              <a:t>Persona 2 - Eduarda</a:t>
+            </a:r>
+          </a:p>
+        </p:txBody>
+      </p:sp>
+      <p:sp>
+        <p:nvSpPr>
+          <p:cNvPr id="4" name="Espaço Reservado para Número de Slide 3"/>
+          <p:cNvSpPr>
+            <a:spLocks noGrp="1"/>
+          </p:cNvSpPr>
+          <p:nvPr>
+            <p:ph type="sldNum" sz="quarter" idx="5"/>
+          </p:nvPr>
+        </p:nvSpPr>
+        <p:spPr/>
+        <p:txBody>
+          <a:bodyPr/>
+          <a:lstStyle/>
+          <a:p>
+            <a:fld id="{8AF8DC03-79F1-4366-9198-D7A0082E8FA2}" type="slidenum">
+              <a:rPr lang="pt-BR" smtClean="0"/>
+              <a:t>6</a:t>
+            </a:fld>
+            <a:endParaRPr lang="pt-BR"/>
+          </a:p>
+        </p:txBody>
+      </p:sp>
+    </p:spTree>
+    <p:extLst>
+      <p:ext uri="{BB962C8B-B14F-4D97-AF65-F5344CB8AC3E}">
+        <p14:creationId xmlns:p14="http://schemas.microsoft.com/office/powerpoint/2010/main" val="746238627"/>
+      </p:ext>
+    </p:extLst>
+  </p:cSld>
+  <p:clrMapOvr>
+    <a:masterClrMapping/>
+  </p:clrMapOvr>
+</p:notes>
+</file>
+
+<file path=ppt/notesSlides/notesSlide7.xml><?xml version="1.0" encoding="utf-8"?>
+<p:notes xmlns:a="http://schemas.openxmlformats.org/drawingml/2006/main" xmlns:r="http://schemas.openxmlformats.org/officeDocument/2006/relationships" xmlns:p="http://schemas.openxmlformats.org/presentationml/2006/main">
+  <p:cSld>
+    <p:spTree>
+      <p:nvGrpSpPr>
+        <p:cNvPr id="1" name=""/>
+        <p:cNvGrpSpPr/>
+        <p:nvPr/>
+      </p:nvGrpSpPr>
+      <p:grpSpPr>
+        <a:xfrm>
+          <a:off x="0" y="0"/>
+          <a:ext cx="0" cy="0"/>
+          <a:chOff x="0" y="0"/>
+          <a:chExt cx="0" cy="0"/>
+        </a:xfrm>
+      </p:grpSpPr>
+      <p:sp>
+        <p:nvSpPr>
+          <p:cNvPr id="2" name="Espaço Reservado para Imagem de Slide 1"/>
+          <p:cNvSpPr>
+            <a:spLocks noGrp="1" noRot="1" noChangeAspect="1"/>
+          </p:cNvSpPr>
+          <p:nvPr>
+            <p:ph type="sldImg"/>
+          </p:nvPr>
+        </p:nvSpPr>
+        <p:spPr/>
+      </p:sp>
+      <p:sp>
+        <p:nvSpPr>
+          <p:cNvPr id="3" name="Espaço Reservado para Anotações 2"/>
+          <p:cNvSpPr>
+            <a:spLocks noGrp="1"/>
+          </p:cNvSpPr>
+          <p:nvPr>
+            <p:ph type="body" idx="1"/>
+          </p:nvPr>
+        </p:nvSpPr>
+        <p:spPr/>
+        <p:txBody>
+          <a:bodyPr/>
+          <a:lstStyle/>
+          <a:p>
+            <a:r>
+              <a:rPr lang="pt-BR" dirty="0"/>
+              <a:t>Desenho de solução - Carina</a:t>
+            </a:r>
+          </a:p>
+        </p:txBody>
+      </p:sp>
+      <p:sp>
+        <p:nvSpPr>
+          <p:cNvPr id="4" name="Espaço Reservado para Número de Slide 3"/>
+          <p:cNvSpPr>
+            <a:spLocks noGrp="1"/>
+          </p:cNvSpPr>
+          <p:nvPr>
+            <p:ph type="sldNum" sz="quarter" idx="5"/>
+          </p:nvPr>
+        </p:nvSpPr>
+        <p:spPr/>
+        <p:txBody>
+          <a:bodyPr/>
+          <a:lstStyle/>
+          <a:p>
+            <a:fld id="{8AF8DC03-79F1-4366-9198-D7A0082E8FA2}" type="slidenum">
+              <a:rPr lang="pt-BR" smtClean="0"/>
+              <a:t>7</a:t>
+            </a:fld>
+            <a:endParaRPr lang="pt-BR"/>
+          </a:p>
+        </p:txBody>
+      </p:sp>
+    </p:spTree>
+    <p:extLst>
+      <p:ext uri="{BB962C8B-B14F-4D97-AF65-F5344CB8AC3E}">
+        <p14:creationId xmlns:p14="http://schemas.microsoft.com/office/powerpoint/2010/main" val="635470219"/>
+      </p:ext>
+    </p:extLst>
+  </p:cSld>
+  <p:clrMapOvr>
+    <a:masterClrMapping/>
+  </p:clrMapOvr>
+</p:notes>
+</file>
+
+<file path=ppt/notesSlides/notesSlide8.xml><?xml version="1.0" encoding="utf-8"?>
+<p:notes xmlns:a="http://schemas.openxmlformats.org/drawingml/2006/main" xmlns:r="http://schemas.openxmlformats.org/officeDocument/2006/relationships" xmlns:p="http://schemas.openxmlformats.org/presentationml/2006/main">
+  <p:cSld>
+    <p:spTree>
+      <p:nvGrpSpPr>
+        <p:cNvPr id="1" name=""/>
+        <p:cNvGrpSpPr/>
+        <p:nvPr/>
+      </p:nvGrpSpPr>
+      <p:grpSpPr>
+        <a:xfrm>
+          <a:off x="0" y="0"/>
+          <a:ext cx="0" cy="0"/>
+          <a:chOff x="0" y="0"/>
+          <a:chExt cx="0" cy="0"/>
+        </a:xfrm>
+      </p:grpSpPr>
+      <p:sp>
+        <p:nvSpPr>
+          <p:cNvPr id="2" name="Espaço Reservado para Imagem de Slide 1"/>
+          <p:cNvSpPr>
+            <a:spLocks noGrp="1" noRot="1" noChangeAspect="1"/>
+          </p:cNvSpPr>
+          <p:nvPr>
+            <p:ph type="sldImg"/>
+          </p:nvPr>
+        </p:nvSpPr>
+        <p:spPr/>
+      </p:sp>
+      <p:sp>
+        <p:nvSpPr>
+          <p:cNvPr id="3" name="Espaço Reservado para Anotações 2"/>
+          <p:cNvSpPr>
+            <a:spLocks noGrp="1"/>
+          </p:cNvSpPr>
+          <p:nvPr>
+            <p:ph type="body" idx="1"/>
+          </p:nvPr>
+        </p:nvSpPr>
+        <p:spPr/>
+        <p:txBody>
+          <a:bodyPr/>
+          <a:lstStyle/>
+          <a:p>
+            <a:r>
+              <a:rPr lang="pt-BR" dirty="0"/>
+              <a:t>Desenho de arquitetura - Carina</a:t>
+            </a:r>
+          </a:p>
+        </p:txBody>
+      </p:sp>
+      <p:sp>
+        <p:nvSpPr>
+          <p:cNvPr id="4" name="Espaço Reservado para Número de Slide 3"/>
+          <p:cNvSpPr>
+            <a:spLocks noGrp="1"/>
+          </p:cNvSpPr>
+          <p:nvPr>
+            <p:ph type="sldNum" sz="quarter" idx="5"/>
+          </p:nvPr>
+        </p:nvSpPr>
+        <p:spPr/>
+        <p:txBody>
+          <a:bodyPr/>
+          <a:lstStyle/>
+          <a:p>
+            <a:fld id="{8AF8DC03-79F1-4366-9198-D7A0082E8FA2}" type="slidenum">
+              <a:rPr lang="pt-BR" smtClean="0"/>
+              <a:t>8</a:t>
+            </a:fld>
+            <a:endParaRPr lang="pt-BR"/>
+          </a:p>
+        </p:txBody>
+      </p:sp>
+    </p:spTree>
+    <p:extLst>
+      <p:ext uri="{BB962C8B-B14F-4D97-AF65-F5344CB8AC3E}">
+        <p14:creationId xmlns:p14="http://schemas.microsoft.com/office/powerpoint/2010/main" val="3489149396"/>
+      </p:ext>
+    </p:extLst>
+  </p:cSld>
+  <p:clrMapOvr>
+    <a:masterClrMapping/>
+  </p:clrMapOvr>
+</p:notes>
+</file>
+
+<file path=ppt/notesSlides/notesSlide9.xml><?xml version="1.0" encoding="utf-8"?>
+<p:notes xmlns:a="http://schemas.openxmlformats.org/drawingml/2006/main" xmlns:r="http://schemas.openxmlformats.org/officeDocument/2006/relationships" xmlns:p="http://schemas.openxmlformats.org/presentationml/2006/main">
+  <p:cSld>
+    <p:spTree>
+      <p:nvGrpSpPr>
+        <p:cNvPr id="1" name=""/>
+        <p:cNvGrpSpPr/>
+        <p:nvPr/>
+      </p:nvGrpSpPr>
+      <p:grpSpPr>
+        <a:xfrm>
+          <a:off x="0" y="0"/>
+          <a:ext cx="0" cy="0"/>
+          <a:chOff x="0" y="0"/>
+          <a:chExt cx="0" cy="0"/>
+        </a:xfrm>
+      </p:grpSpPr>
+      <p:sp>
+        <p:nvSpPr>
+          <p:cNvPr id="2" name="Espaço Reservado para Imagem de Slide 1"/>
+          <p:cNvSpPr>
+            <a:spLocks noGrp="1" noRot="1" noChangeAspect="1"/>
+          </p:cNvSpPr>
+          <p:nvPr>
+            <p:ph type="sldImg"/>
+          </p:nvPr>
+        </p:nvSpPr>
+        <p:spPr/>
+      </p:sp>
+      <p:sp>
+        <p:nvSpPr>
+          <p:cNvPr id="3" name="Espaço Reservado para Anotações 2"/>
+          <p:cNvSpPr>
+            <a:spLocks noGrp="1"/>
+          </p:cNvSpPr>
+          <p:nvPr>
+            <p:ph type="body" idx="1"/>
+          </p:nvPr>
+        </p:nvSpPr>
+        <p:spPr/>
+        <p:txBody>
+          <a:bodyPr/>
+          <a:lstStyle/>
+          <a:p>
+            <a:r>
+              <a:rPr lang="pt-BR" dirty="0"/>
+              <a:t>LLD - Carina</a:t>
+            </a:r>
+          </a:p>
+        </p:txBody>
+      </p:sp>
+      <p:sp>
+        <p:nvSpPr>
+          <p:cNvPr id="4" name="Espaço Reservado para Número de Slide 3"/>
+          <p:cNvSpPr>
+            <a:spLocks noGrp="1"/>
+          </p:cNvSpPr>
+          <p:nvPr>
+            <p:ph type="sldNum" sz="quarter" idx="5"/>
+          </p:nvPr>
+        </p:nvSpPr>
+        <p:spPr/>
+        <p:txBody>
+          <a:bodyPr/>
+          <a:lstStyle/>
+          <a:p>
+            <a:fld id="{8AF8DC03-79F1-4366-9198-D7A0082E8FA2}" type="slidenum">
+              <a:rPr lang="pt-BR" smtClean="0"/>
+              <a:t>9</a:t>
+            </a:fld>
+            <a:endParaRPr lang="pt-BR"/>
+          </a:p>
+        </p:txBody>
+      </p:sp>
+    </p:spTree>
+    <p:extLst>
+      <p:ext uri="{BB962C8B-B14F-4D97-AF65-F5344CB8AC3E}">
+        <p14:creationId xmlns:p14="http://schemas.microsoft.com/office/powerpoint/2010/main" val="3575321446"/>
+      </p:ext>
+    </p:extLst>
+  </p:cSld>
+  <p:clrMapOvr>
+    <a:masterClrMapping/>
+  </p:clrMapOvr>
+</p:notes>
 </file>
 
 <file path=ppt/slideLayouts/slideLayout1.xml><?xml version="1.0" encoding="utf-8"?>
@@ -3355,7 +5389,7 @@
           <p:nvPr/>
         </p:nvPicPr>
         <p:blipFill>
-          <a:blip r:embed="rId2">
+          <a:blip r:embed="rId3">
             <a:extLst>
               <a:ext uri="{28A0092B-C50C-407E-A947-70E740481C1C}">
                 <a14:useLocalDpi xmlns:a14="http://schemas.microsoft.com/office/drawing/2010/main" val="0"/>
@@ -3411,7 +5445,7 @@
           <p:cNvPr id="7" name="Imagem 6">
             <a:extLst>
               <a:ext uri="{FF2B5EF4-FFF2-40B4-BE49-F238E27FC236}">
-                <a16:creationId xmlns:a16="http://schemas.microsoft.com/office/drawing/2014/main" id="{EA576F2F-C8DA-425C-BC44-6C73A4CD7918}"/>
+                <a16:creationId xmlns:a16="http://schemas.microsoft.com/office/drawing/2014/main" id="{CEF7B060-FC26-4AAD-B0A6-5D18A6716357}"/>
               </a:ext>
             </a:extLst>
           </p:cNvPr>
@@ -3421,7 +5455,7 @@
           <p:nvPr/>
         </p:nvPicPr>
         <p:blipFill>
-          <a:blip r:embed="rId2">
+          <a:blip r:embed="rId3">
             <a:extLst>
               <a:ext uri="{28A0092B-C50C-407E-A947-70E740481C1C}">
                 <a14:useLocalDpi xmlns:a14="http://schemas.microsoft.com/office/drawing/2010/main" val="0"/>
@@ -3435,7 +5469,7 @@
         <p:spPr>
           <a:xfrm>
             <a:off x="0" y="0"/>
-            <a:ext cx="12191999" cy="6858000"/>
+            <a:ext cx="12192000" cy="6858000"/>
           </a:xfrm>
           <a:prstGeom prst="rect">
             <a:avLst/>
@@ -3445,7 +5479,7 @@
     </p:spTree>
     <p:extLst>
       <p:ext uri="{BB962C8B-B14F-4D97-AF65-F5344CB8AC3E}">
-        <p14:creationId xmlns:p14="http://schemas.microsoft.com/office/powerpoint/2010/main" val="4201475481"/>
+        <p14:creationId xmlns:p14="http://schemas.microsoft.com/office/powerpoint/2010/main" val="1435856097"/>
       </p:ext>
     </p:extLst>
   </p:cSld>
@@ -3453,7 +5487,7 @@
     <a:masterClrMapping/>
   </p:clrMapOvr>
   <p:transition spd="slow">
-    <p:push dir="u"/>
+    <p:push/>
   </p:transition>
 </p:sld>
 </file>
@@ -3477,10 +5511,10 @@
       </p:grpSpPr>
       <p:pic>
         <p:nvPicPr>
-          <p:cNvPr id="8" name="Imagem 7">
-            <a:extLst>
-              <a:ext uri="{FF2B5EF4-FFF2-40B4-BE49-F238E27FC236}">
-                <a16:creationId xmlns:a16="http://schemas.microsoft.com/office/drawing/2014/main" id="{DF96DA2B-7E86-4B32-BF0E-80E08511CCDB}"/>
+          <p:cNvPr id="9" name="Imagem 8">
+            <a:extLst>
+              <a:ext uri="{FF2B5EF4-FFF2-40B4-BE49-F238E27FC236}">
+                <a16:creationId xmlns:a16="http://schemas.microsoft.com/office/drawing/2014/main" id="{D5443E5F-76D0-4366-A2E4-A40632875320}"/>
               </a:ext>
             </a:extLst>
           </p:cNvPr>
@@ -3490,7 +5524,7 @@
           <p:nvPr/>
         </p:nvPicPr>
         <p:blipFill>
-          <a:blip r:embed="rId2">
+          <a:blip r:embed="rId3">
             <a:extLst>
               <a:ext uri="{28A0092B-C50C-407E-A947-70E740481C1C}">
                 <a14:useLocalDpi xmlns:a14="http://schemas.microsoft.com/office/drawing/2010/main" val="0"/>
@@ -3504,147 +5538,17 @@
         <p:spPr>
           <a:xfrm>
             <a:off x="0" y="0"/>
-            <a:ext cx="12191999" cy="6858000"/>
+            <a:ext cx="12192000" cy="6858000"/>
           </a:xfrm>
           <a:prstGeom prst="rect">
             <a:avLst/>
           </a:prstGeom>
         </p:spPr>
       </p:pic>
-      <p:sp>
-        <p:nvSpPr>
-          <p:cNvPr id="4" name="CaixaDeTexto 3">
-            <a:extLst>
-              <a:ext uri="{FF2B5EF4-FFF2-40B4-BE49-F238E27FC236}">
-                <a16:creationId xmlns:a16="http://schemas.microsoft.com/office/drawing/2014/main" id="{70464950-48B3-443D-875D-3574E56E2B23}"/>
-              </a:ext>
-            </a:extLst>
-          </p:cNvPr>
-          <p:cNvSpPr txBox="1"/>
-          <p:nvPr/>
-        </p:nvSpPr>
-        <p:spPr>
-          <a:xfrm>
-            <a:off x="7005711" y="2095869"/>
-            <a:ext cx="4431323" cy="2975751"/>
-          </a:xfrm>
-          <a:prstGeom prst="rect">
-            <a:avLst/>
-          </a:prstGeom>
-          <a:noFill/>
-        </p:spPr>
-        <p:txBody>
-          <a:bodyPr wrap="square" rtlCol="0">
-            <a:spAutoFit/>
-          </a:bodyPr>
-          <a:lstStyle/>
-          <a:p>
-            <a:pPr marL="285750" indent="-285750">
-              <a:lnSpc>
-                <a:spcPct val="150000"/>
-              </a:lnSpc>
-              <a:buFontTx/>
-              <a:buChar char="-"/>
-            </a:pPr>
-            <a:r>
-              <a:rPr lang="pt-BR" sz="3200" dirty="0">
-                <a:solidFill>
-                  <a:srgbClr val="6F7DFF"/>
-                </a:solidFill>
-                <a:latin typeface="Poppins" panose="00000500000000000000" pitchFamily="2" charset="0"/>
-                <a:cs typeface="Poppins" panose="00000500000000000000" pitchFamily="2" charset="0"/>
-              </a:rPr>
-              <a:t>Scrum</a:t>
-            </a:r>
-          </a:p>
-          <a:p>
-            <a:pPr marL="285750" indent="-285750">
-              <a:lnSpc>
-                <a:spcPct val="150000"/>
-              </a:lnSpc>
-              <a:buFontTx/>
-              <a:buChar char="-"/>
-            </a:pPr>
-            <a:r>
-              <a:rPr lang="pt-BR" sz="3200" dirty="0">
-                <a:solidFill>
-                  <a:srgbClr val="6F7DFF"/>
-                </a:solidFill>
-                <a:latin typeface="Poppins" panose="00000500000000000000" pitchFamily="2" charset="0"/>
-                <a:cs typeface="Poppins" panose="00000500000000000000" pitchFamily="2" charset="0"/>
-              </a:rPr>
-              <a:t>Kanban</a:t>
-            </a:r>
-          </a:p>
-          <a:p>
-            <a:pPr marL="285750" indent="-285750">
-              <a:lnSpc>
-                <a:spcPct val="150000"/>
-              </a:lnSpc>
-              <a:buFontTx/>
-              <a:buChar char="-"/>
-            </a:pPr>
-            <a:r>
-              <a:rPr lang="pt-BR" sz="3200" dirty="0">
-                <a:solidFill>
-                  <a:srgbClr val="6F7DFF"/>
-                </a:solidFill>
-                <a:latin typeface="Poppins" panose="00000500000000000000" pitchFamily="2" charset="0"/>
-                <a:cs typeface="Poppins" panose="00000500000000000000" pitchFamily="2" charset="0"/>
-              </a:rPr>
-              <a:t>Status </a:t>
-            </a:r>
-            <a:r>
-              <a:rPr lang="pt-BR" sz="3200" dirty="0" err="1">
-                <a:solidFill>
-                  <a:srgbClr val="6F7DFF"/>
-                </a:solidFill>
-                <a:latin typeface="Poppins" panose="00000500000000000000" pitchFamily="2" charset="0"/>
-                <a:cs typeface="Poppins" panose="00000500000000000000" pitchFamily="2" charset="0"/>
-              </a:rPr>
-              <a:t>Report</a:t>
-            </a:r>
-            <a:endParaRPr lang="pt-BR" sz="3200" dirty="0">
-              <a:solidFill>
-                <a:srgbClr val="6F7DFF"/>
-              </a:solidFill>
-              <a:latin typeface="Poppins" panose="00000500000000000000" pitchFamily="2" charset="0"/>
-              <a:cs typeface="Poppins" panose="00000500000000000000" pitchFamily="2" charset="0"/>
-            </a:endParaRPr>
-          </a:p>
-          <a:p>
-            <a:pPr marL="285750" indent="-285750">
-              <a:lnSpc>
-                <a:spcPct val="150000"/>
-              </a:lnSpc>
-              <a:buFontTx/>
-              <a:buChar char="-"/>
-            </a:pPr>
-            <a:r>
-              <a:rPr lang="pt-BR" sz="3200" dirty="0">
-                <a:solidFill>
-                  <a:srgbClr val="6F7DFF"/>
-                </a:solidFill>
-                <a:latin typeface="Poppins" panose="00000500000000000000" pitchFamily="2" charset="0"/>
-                <a:cs typeface="Poppins" panose="00000500000000000000" pitchFamily="2" charset="0"/>
-              </a:rPr>
-              <a:t>Daily (15 minutos</a:t>
-            </a:r>
-            <a:r>
-              <a:rPr lang="pt-BR" sz="3200" dirty="0">
-                <a:solidFill>
-                  <a:srgbClr val="6F7DFF"/>
-                </a:solidFill>
-              </a:rPr>
-              <a:t>)</a:t>
-            </a:r>
-          </a:p>
-        </p:txBody>
-      </p:sp>
     </p:spTree>
     <p:extLst>
       <p:ext uri="{BB962C8B-B14F-4D97-AF65-F5344CB8AC3E}">
-        <p14:creationId xmlns:p14="http://schemas.microsoft.com/office/powerpoint/2010/main" val="785560994"/>
+        <p14:creationId xmlns:p14="http://schemas.microsoft.com/office/powerpoint/2010/main" val="3219865259"/>
       </p:ext>
     </p:extLst>
   </p:cSld>
@@ -3652,7 +5556,7 @@
     <a:masterClrMapping/>
   </p:clrMapOvr>
   <p:transition spd="slow">
-    <p:push dir="u"/>
+    <p:push/>
   </p:transition>
 </p:sld>
 </file>
@@ -3674,58 +5578,22 @@
           <a:chExt cx="0" cy="0"/>
         </a:xfrm>
       </p:grpSpPr>
-      <p:pic>
-        <p:nvPicPr>
-          <p:cNvPr id="9" name="Imagem 8">
-            <a:extLst>
-              <a:ext uri="{FF2B5EF4-FFF2-40B4-BE49-F238E27FC236}">
-                <a16:creationId xmlns:a16="http://schemas.microsoft.com/office/drawing/2014/main" id="{C42DD054-32AA-4940-87CA-6F53791E07D7}"/>
-              </a:ext>
-            </a:extLst>
-          </p:cNvPr>
-          <p:cNvPicPr>
-            <a:picLocks noChangeAspect="1"/>
-          </p:cNvPicPr>
+      <p:sp>
+        <p:nvSpPr>
+          <p:cNvPr id="5" name="CaixaDeTexto 4">
+            <a:extLst>
+              <a:ext uri="{FF2B5EF4-FFF2-40B4-BE49-F238E27FC236}">
+                <a16:creationId xmlns:a16="http://schemas.microsoft.com/office/drawing/2014/main" id="{A3FF10B6-8181-4CF4-9001-B7E949FCFD83}"/>
+              </a:ext>
+            </a:extLst>
+          </p:cNvPr>
+          <p:cNvSpPr txBox="1"/>
           <p:nvPr/>
-        </p:nvPicPr>
-        <p:blipFill>
-          <a:blip r:embed="rId2">
-            <a:extLst>
-              <a:ext uri="{28A0092B-C50C-407E-A947-70E740481C1C}">
-                <a14:useLocalDpi xmlns:a14="http://schemas.microsoft.com/office/drawing/2010/main" val="0"/>
-              </a:ext>
-            </a:extLst>
-          </a:blip>
-          <a:stretch>
-            <a:fillRect/>
-          </a:stretch>
-        </p:blipFill>
+        </p:nvSpPr>
         <p:spPr>
           <a:xfrm>
-            <a:off x="0" y="0"/>
-            <a:ext cx="12191999" cy="6858000"/>
-          </a:xfrm>
-          <a:prstGeom prst="rect">
-            <a:avLst/>
-          </a:prstGeom>
-        </p:spPr>
-      </p:pic>
-      <p:sp>
-        <p:nvSpPr>
-          <p:cNvPr id="4" name="CaixaDeTexto 3">
-            <a:extLst>
-              <a:ext uri="{FF2B5EF4-FFF2-40B4-BE49-F238E27FC236}">
-                <a16:creationId xmlns:a16="http://schemas.microsoft.com/office/drawing/2014/main" id="{8F6A1DEF-BF99-4A30-AAAA-747974590AC7}"/>
-              </a:ext>
-            </a:extLst>
-          </p:cNvPr>
-          <p:cNvSpPr txBox="1"/>
-          <p:nvPr/>
-        </p:nvSpPr>
-        <p:spPr>
-          <a:xfrm>
-            <a:off x="1252024" y="1645920"/>
-            <a:ext cx="4304713" cy="3539430"/>
+            <a:off x="337622" y="379829"/>
+            <a:ext cx="6147583" cy="584775"/>
           </a:xfrm>
           <a:prstGeom prst="rect">
             <a:avLst/>
@@ -3738,283 +5606,15 @@
           </a:bodyPr>
           <a:lstStyle/>
           <a:p>
-            <a:pPr marL="285750" indent="-285750">
-              <a:buFontTx/>
-              <a:buChar char="-"/>
-            </a:pPr>
-            <a:r>
-              <a:rPr lang="pt-BR" sz="2800" dirty="0" err="1">
+            <a:r>
+              <a:rPr lang="pt-BR" sz="3200" dirty="0">
                 <a:solidFill>
                   <a:srgbClr val="6F7DFF"/>
                 </a:solidFill>
                 <a:latin typeface="Poppins" panose="00000500000000000000" pitchFamily="2" charset="0"/>
                 <a:cs typeface="Poppins" panose="00000500000000000000" pitchFamily="2" charset="0"/>
               </a:rPr>
-              <a:t>Git</a:t>
-            </a:r>
-            <a:endParaRPr lang="pt-BR" sz="2800" dirty="0">
-              <a:solidFill>
-                <a:srgbClr val="6F7DFF"/>
-              </a:solidFill>
-              <a:latin typeface="Poppins" panose="00000500000000000000" pitchFamily="2" charset="0"/>
-              <a:cs typeface="Poppins" panose="00000500000000000000" pitchFamily="2" charset="0"/>
-            </a:endParaRPr>
-          </a:p>
-          <a:p>
-            <a:pPr marL="285750" indent="-285750">
-              <a:buFontTx/>
-              <a:buChar char="-"/>
-            </a:pPr>
-            <a:r>
-              <a:rPr lang="pt-BR" sz="2800" dirty="0" err="1">
-                <a:solidFill>
-                  <a:srgbClr val="6F7DFF"/>
-                </a:solidFill>
-                <a:latin typeface="Poppins" panose="00000500000000000000" pitchFamily="2" charset="0"/>
-                <a:cs typeface="Poppins" panose="00000500000000000000" pitchFamily="2" charset="0"/>
-              </a:rPr>
-              <a:t>Planner</a:t>
-            </a:r>
-            <a:endParaRPr lang="pt-BR" sz="2800" dirty="0">
-              <a:solidFill>
-                <a:srgbClr val="6F7DFF"/>
-              </a:solidFill>
-              <a:latin typeface="Poppins" panose="00000500000000000000" pitchFamily="2" charset="0"/>
-              <a:cs typeface="Poppins" panose="00000500000000000000" pitchFamily="2" charset="0"/>
-            </a:endParaRPr>
-          </a:p>
-          <a:p>
-            <a:pPr marL="285750" indent="-285750">
-              <a:buFontTx/>
-              <a:buChar char="-"/>
-            </a:pPr>
-            <a:r>
-              <a:rPr lang="pt-BR" sz="2800" dirty="0" err="1">
-                <a:solidFill>
-                  <a:srgbClr val="6F7DFF"/>
-                </a:solidFill>
-                <a:latin typeface="Poppins" panose="00000500000000000000" pitchFamily="2" charset="0"/>
-                <a:cs typeface="Poppins" panose="00000500000000000000" pitchFamily="2" charset="0"/>
-              </a:rPr>
-              <a:t>Discord</a:t>
-            </a:r>
-            <a:endParaRPr lang="pt-BR" sz="2800" dirty="0">
-              <a:solidFill>
-                <a:srgbClr val="6F7DFF"/>
-              </a:solidFill>
-              <a:latin typeface="Poppins" panose="00000500000000000000" pitchFamily="2" charset="0"/>
-              <a:cs typeface="Poppins" panose="00000500000000000000" pitchFamily="2" charset="0"/>
-            </a:endParaRPr>
-          </a:p>
-          <a:p>
-            <a:pPr marL="285750" indent="-285750">
-              <a:buFontTx/>
-              <a:buChar char="-"/>
-            </a:pPr>
-            <a:r>
-              <a:rPr lang="pt-BR" sz="2800" dirty="0" err="1">
-                <a:solidFill>
-                  <a:srgbClr val="6F7DFF"/>
-                </a:solidFill>
-                <a:latin typeface="Poppins" panose="00000500000000000000" pitchFamily="2" charset="0"/>
-                <a:cs typeface="Poppins" panose="00000500000000000000" pitchFamily="2" charset="0"/>
-              </a:rPr>
-              <a:t>Figma</a:t>
-            </a:r>
-            <a:endParaRPr lang="pt-BR" sz="2800" dirty="0">
-              <a:solidFill>
-                <a:srgbClr val="6F7DFF"/>
-              </a:solidFill>
-              <a:latin typeface="Poppins" panose="00000500000000000000" pitchFamily="2" charset="0"/>
-              <a:cs typeface="Poppins" panose="00000500000000000000" pitchFamily="2" charset="0"/>
-            </a:endParaRPr>
-          </a:p>
-          <a:p>
-            <a:pPr marL="285750" indent="-285750">
-              <a:buFontTx/>
-              <a:buChar char="-"/>
-            </a:pPr>
-            <a:r>
-              <a:rPr lang="pt-BR" sz="2800" dirty="0">
-                <a:solidFill>
-                  <a:srgbClr val="6F7DFF"/>
-                </a:solidFill>
-                <a:latin typeface="Poppins" panose="00000500000000000000" pitchFamily="2" charset="0"/>
-                <a:cs typeface="Poppins" panose="00000500000000000000" pitchFamily="2" charset="0"/>
-              </a:rPr>
-              <a:t>Visual Studio </a:t>
-            </a:r>
-            <a:r>
-              <a:rPr lang="pt-BR" sz="2800" dirty="0" err="1">
-                <a:solidFill>
-                  <a:srgbClr val="6F7DFF"/>
-                </a:solidFill>
-                <a:latin typeface="Poppins" panose="00000500000000000000" pitchFamily="2" charset="0"/>
-                <a:cs typeface="Poppins" panose="00000500000000000000" pitchFamily="2" charset="0"/>
-              </a:rPr>
-              <a:t>Code</a:t>
-            </a:r>
-            <a:endParaRPr lang="pt-BR" sz="2800" dirty="0">
-              <a:solidFill>
-                <a:srgbClr val="6F7DFF"/>
-              </a:solidFill>
-              <a:latin typeface="Poppins" panose="00000500000000000000" pitchFamily="2" charset="0"/>
-              <a:cs typeface="Poppins" panose="00000500000000000000" pitchFamily="2" charset="0"/>
-            </a:endParaRPr>
-          </a:p>
-          <a:p>
-            <a:pPr marL="285750" indent="-285750">
-              <a:buFontTx/>
-              <a:buChar char="-"/>
-            </a:pPr>
-            <a:r>
-              <a:rPr lang="pt-BR" sz="2800" dirty="0">
-                <a:solidFill>
-                  <a:srgbClr val="6F7DFF"/>
-                </a:solidFill>
-                <a:latin typeface="Poppins" panose="00000500000000000000" pitchFamily="2" charset="0"/>
-                <a:cs typeface="Poppins" panose="00000500000000000000" pitchFamily="2" charset="0"/>
-              </a:rPr>
-              <a:t>Android Studio</a:t>
-            </a:r>
-          </a:p>
-          <a:p>
-            <a:pPr marL="285750" indent="-285750">
-              <a:buFontTx/>
-              <a:buChar char="-"/>
-            </a:pPr>
-            <a:r>
-              <a:rPr lang="pt-BR" sz="2800" dirty="0" err="1">
-                <a:solidFill>
-                  <a:srgbClr val="6F7DFF"/>
-                </a:solidFill>
-                <a:latin typeface="Poppins" panose="00000500000000000000" pitchFamily="2" charset="0"/>
-                <a:cs typeface="Poppins" panose="00000500000000000000" pitchFamily="2" charset="0"/>
-              </a:rPr>
-              <a:t>IntelliJ</a:t>
-            </a:r>
-            <a:endParaRPr lang="pt-BR" sz="2800" dirty="0">
-              <a:solidFill>
-                <a:srgbClr val="6F7DFF"/>
-              </a:solidFill>
-              <a:latin typeface="Poppins" panose="00000500000000000000" pitchFamily="2" charset="0"/>
-              <a:cs typeface="Poppins" panose="00000500000000000000" pitchFamily="2" charset="0"/>
-            </a:endParaRPr>
-          </a:p>
-          <a:p>
-            <a:pPr marL="285750" indent="-285750">
-              <a:buFontTx/>
-              <a:buChar char="-"/>
-            </a:pPr>
-            <a:r>
-              <a:rPr lang="pt-BR" sz="2800" dirty="0">
-                <a:solidFill>
-                  <a:srgbClr val="6F7DFF"/>
-                </a:solidFill>
-                <a:latin typeface="Poppins" panose="00000500000000000000" pitchFamily="2" charset="0"/>
-                <a:cs typeface="Poppins" panose="00000500000000000000" pitchFamily="2" charset="0"/>
-              </a:rPr>
-              <a:t>Illustrator</a:t>
-            </a:r>
-          </a:p>
-        </p:txBody>
-      </p:sp>
-      <p:sp>
-        <p:nvSpPr>
-          <p:cNvPr id="7" name="CaixaDeTexto 6">
-            <a:extLst>
-              <a:ext uri="{FF2B5EF4-FFF2-40B4-BE49-F238E27FC236}">
-                <a16:creationId xmlns:a16="http://schemas.microsoft.com/office/drawing/2014/main" id="{F093C2C2-D0D9-489E-9C4D-6CCC681E6193}"/>
-              </a:ext>
-            </a:extLst>
-          </p:cNvPr>
-          <p:cNvSpPr txBox="1"/>
-          <p:nvPr/>
-        </p:nvSpPr>
-        <p:spPr>
-          <a:xfrm>
-            <a:off x="6246055" y="3207433"/>
-            <a:ext cx="4304713" cy="1815882"/>
-          </a:xfrm>
-          <a:prstGeom prst="rect">
-            <a:avLst/>
-          </a:prstGeom>
-          <a:noFill/>
-        </p:spPr>
-        <p:txBody>
-          <a:bodyPr wrap="square" rtlCol="0">
-            <a:spAutoFit/>
-          </a:bodyPr>
-          <a:lstStyle/>
-          <a:p>
-            <a:pPr marL="285750" indent="-285750">
-              <a:buFontTx/>
-              <a:buChar char="-"/>
-            </a:pPr>
-            <a:r>
-              <a:rPr lang="pt-BR" sz="2800" dirty="0">
-                <a:solidFill>
-                  <a:srgbClr val="6F7DFF"/>
-                </a:solidFill>
-                <a:latin typeface="Poppins" panose="00000500000000000000" pitchFamily="2" charset="0"/>
-                <a:cs typeface="Poppins" panose="00000500000000000000" pitchFamily="2" charset="0"/>
-              </a:rPr>
-              <a:t>Angular 9</a:t>
-            </a:r>
-          </a:p>
-          <a:p>
-            <a:pPr marL="285750" indent="-285750">
-              <a:buFontTx/>
-              <a:buChar char="-"/>
-            </a:pPr>
-            <a:r>
-              <a:rPr lang="pt-BR" sz="2800" dirty="0" err="1">
-                <a:solidFill>
-                  <a:srgbClr val="6F7DFF"/>
-                </a:solidFill>
-                <a:latin typeface="Poppins" panose="00000500000000000000" pitchFamily="2" charset="0"/>
-                <a:cs typeface="Poppins" panose="00000500000000000000" pitchFamily="2" charset="0"/>
-              </a:rPr>
-              <a:t>Kotlin</a:t>
-            </a:r>
-            <a:endParaRPr lang="pt-BR" sz="2800" dirty="0">
-              <a:solidFill>
-                <a:srgbClr val="6F7DFF"/>
-              </a:solidFill>
-              <a:latin typeface="Poppins" panose="00000500000000000000" pitchFamily="2" charset="0"/>
-              <a:cs typeface="Poppins" panose="00000500000000000000" pitchFamily="2" charset="0"/>
-            </a:endParaRPr>
-          </a:p>
-          <a:p>
-            <a:pPr marL="285750" indent="-285750">
-              <a:buFontTx/>
-              <a:buChar char="-"/>
-            </a:pPr>
-            <a:r>
-              <a:rPr lang="pt-BR" sz="2800" dirty="0">
-                <a:solidFill>
-                  <a:srgbClr val="6F7DFF"/>
-                </a:solidFill>
-                <a:latin typeface="Poppins" panose="00000500000000000000" pitchFamily="2" charset="0"/>
-                <a:cs typeface="Poppins" panose="00000500000000000000" pitchFamily="2" charset="0"/>
-              </a:rPr>
-              <a:t>Spring Boot</a:t>
-            </a:r>
-          </a:p>
-          <a:p>
-            <a:pPr marL="285750" indent="-285750">
-              <a:buFontTx/>
-              <a:buChar char="-"/>
-            </a:pPr>
-            <a:r>
-              <a:rPr lang="pt-BR" sz="2800" dirty="0">
-                <a:solidFill>
-                  <a:srgbClr val="6F7DFF"/>
-                </a:solidFill>
-                <a:latin typeface="Poppins" panose="00000500000000000000" pitchFamily="2" charset="0"/>
-                <a:cs typeface="Poppins" panose="00000500000000000000" pitchFamily="2" charset="0"/>
-              </a:rPr>
-              <a:t>AWS Cloud</a:t>
+              <a:t>PM CANVAS</a:t>
             </a:r>
           </a:p>
         </p:txBody>
@@ -4022,7 +5622,7 @@
     </p:spTree>
     <p:extLst>
       <p:ext uri="{BB962C8B-B14F-4D97-AF65-F5344CB8AC3E}">
-        <p14:creationId xmlns:p14="http://schemas.microsoft.com/office/powerpoint/2010/main" val="866989866"/>
+        <p14:creationId xmlns:p14="http://schemas.microsoft.com/office/powerpoint/2010/main" val="2811324822"/>
       </p:ext>
     </p:extLst>
   </p:cSld>
@@ -4054,10 +5654,10 @@
       </p:grpSpPr>
       <p:pic>
         <p:nvPicPr>
-          <p:cNvPr id="15" name="Imagem 14">
-            <a:extLst>
-              <a:ext uri="{FF2B5EF4-FFF2-40B4-BE49-F238E27FC236}">
-                <a16:creationId xmlns:a16="http://schemas.microsoft.com/office/drawing/2014/main" id="{C1BD3B3A-46D4-46E2-A840-F785C8881664}"/>
+          <p:cNvPr id="5" name="Imagem 4">
+            <a:extLst>
+              <a:ext uri="{FF2B5EF4-FFF2-40B4-BE49-F238E27FC236}">
+                <a16:creationId xmlns:a16="http://schemas.microsoft.com/office/drawing/2014/main" id="{31E708E7-E4E4-4922-A169-7193CC350E69}"/>
               </a:ext>
             </a:extLst>
           </p:cNvPr>
@@ -4067,7 +5667,7 @@
           <p:nvPr/>
         </p:nvPicPr>
         <p:blipFill>
-          <a:blip r:embed="rId2">
+          <a:blip r:embed="rId3">
             <a:extLst>
               <a:ext uri="{28A0092B-C50C-407E-A947-70E740481C1C}">
                 <a14:useLocalDpi xmlns:a14="http://schemas.microsoft.com/office/drawing/2010/main" val="0"/>
@@ -4090,10 +5690,10 @@
       </p:pic>
       <p:sp>
         <p:nvSpPr>
-          <p:cNvPr id="6" name="CaixaDeTexto 5">
-            <a:extLst>
-              <a:ext uri="{FF2B5EF4-FFF2-40B4-BE49-F238E27FC236}">
-                <a16:creationId xmlns:a16="http://schemas.microsoft.com/office/drawing/2014/main" id="{F4F0D724-5E24-40E4-9C11-B8BABDC48044}"/>
+          <p:cNvPr id="3" name="CaixaDeTexto 2">
+            <a:extLst>
+              <a:ext uri="{FF2B5EF4-FFF2-40B4-BE49-F238E27FC236}">
+                <a16:creationId xmlns:a16="http://schemas.microsoft.com/office/drawing/2014/main" id="{E2597FA4-B0ED-4481-A937-20D851001DA3}"/>
               </a:ext>
             </a:extLst>
           </p:cNvPr>
@@ -4102,8 +5702,8 @@
         </p:nvSpPr>
         <p:spPr>
           <a:xfrm>
-            <a:off x="1953064" y="3429000"/>
-            <a:ext cx="4023360" cy="954107"/>
+            <a:off x="2802791" y="414690"/>
+            <a:ext cx="6147583" cy="584775"/>
           </a:xfrm>
           <a:prstGeom prst="rect">
             <a:avLst/>
@@ -4116,79 +5716,54 @@
           </a:bodyPr>
           <a:lstStyle/>
           <a:p>
-            <a:pPr algn="r"/>
-            <a:r>
-              <a:rPr lang="pt-BR" sz="2800" dirty="0">
+            <a:pPr algn="ctr"/>
+            <a:r>
+              <a:rPr lang="pt-BR" sz="3200" dirty="0">
                 <a:solidFill>
                   <a:srgbClr val="6F7DFF"/>
                 </a:solidFill>
                 <a:latin typeface="Poppins" panose="00000500000000000000" pitchFamily="2" charset="0"/>
                 <a:cs typeface="Poppins" panose="00000500000000000000" pitchFamily="2" charset="0"/>
               </a:rPr>
-              <a:t>Autonomia e</a:t>
-            </a:r>
-          </a:p>
-          <a:p>
-            <a:pPr algn="r"/>
-            <a:r>
-              <a:rPr lang="pt-BR" sz="2800" dirty="0">
-                <a:solidFill>
-                  <a:srgbClr val="6F7DFF"/>
-                </a:solidFill>
-                <a:latin typeface="Poppins" panose="00000500000000000000" pitchFamily="2" charset="0"/>
-                <a:cs typeface="Poppins" panose="00000500000000000000" pitchFamily="2" charset="0"/>
-              </a:rPr>
-              <a:t>responsabilidade</a:t>
-            </a:r>
-          </a:p>
-        </p:txBody>
-      </p:sp>
-      <p:sp>
-        <p:nvSpPr>
-          <p:cNvPr id="7" name="CaixaDeTexto 6">
-            <a:extLst>
-              <a:ext uri="{FF2B5EF4-FFF2-40B4-BE49-F238E27FC236}">
-                <a16:creationId xmlns:a16="http://schemas.microsoft.com/office/drawing/2014/main" id="{AD1F6AE2-C300-4121-98F9-8680144CB227}"/>
-              </a:ext>
-            </a:extLst>
-          </p:cNvPr>
-          <p:cNvSpPr txBox="1"/>
+              <a:t>ANÁLISE DE CONCORRÊNCIA</a:t>
+            </a:r>
+          </a:p>
+        </p:txBody>
+      </p:sp>
+      <p:pic>
+        <p:nvPicPr>
+          <p:cNvPr id="4" name="Imagem 3">
+            <a:extLst>
+              <a:ext uri="{FF2B5EF4-FFF2-40B4-BE49-F238E27FC236}">
+                <a16:creationId xmlns:a16="http://schemas.microsoft.com/office/drawing/2014/main" id="{B99C4B38-C77F-4397-A2B6-8E92E59BC8A0}"/>
+              </a:ext>
+            </a:extLst>
+          </p:cNvPr>
+          <p:cNvPicPr>
+            <a:picLocks noChangeAspect="1"/>
+          </p:cNvPicPr>
           <p:nvPr/>
-        </p:nvSpPr>
+        </p:nvPicPr>
+        <p:blipFill>
+          <a:blip r:embed="rId4"/>
+          <a:stretch>
+            <a:fillRect/>
+          </a:stretch>
+        </p:blipFill>
         <p:spPr>
           <a:xfrm>
-            <a:off x="1953064" y="2622441"/>
-            <a:ext cx="4023360" cy="523220"/>
+            <a:off x="2660113" y="1344433"/>
+            <a:ext cx="6432940" cy="4514102"/>
           </a:xfrm>
           <a:prstGeom prst="rect">
             <a:avLst/>
           </a:prstGeom>
-          <a:noFill/>
         </p:spPr>
-        <p:txBody>
-          <a:bodyPr wrap="square" rtlCol="0">
-            <a:spAutoFit/>
-          </a:bodyPr>
-          <a:lstStyle/>
-          <a:p>
-            <a:pPr algn="r"/>
-            <a:r>
-              <a:rPr lang="pt-BR" sz="2800" dirty="0">
-                <a:solidFill>
-                  <a:srgbClr val="6F7DFF"/>
-                </a:solidFill>
-                <a:latin typeface="Poppins" panose="00000500000000000000" pitchFamily="2" charset="0"/>
-                <a:cs typeface="Poppins" panose="00000500000000000000" pitchFamily="2" charset="0"/>
-              </a:rPr>
-              <a:t>Kanban</a:t>
-            </a:r>
-          </a:p>
-        </p:txBody>
-      </p:sp>
+      </p:pic>
     </p:spTree>
     <p:extLst>
       <p:ext uri="{BB962C8B-B14F-4D97-AF65-F5344CB8AC3E}">
-        <p14:creationId xmlns:p14="http://schemas.microsoft.com/office/powerpoint/2010/main" val="1367651759"/>
+        <p14:creationId xmlns:p14="http://schemas.microsoft.com/office/powerpoint/2010/main" val="2761102041"/>
       </p:ext>
     </p:extLst>
   </p:cSld>
@@ -4223,7 +5798,7 @@
           <p:cNvPr id="5" name="Imagem 4">
             <a:extLst>
               <a:ext uri="{FF2B5EF4-FFF2-40B4-BE49-F238E27FC236}">
-                <a16:creationId xmlns:a16="http://schemas.microsoft.com/office/drawing/2014/main" id="{B09771BD-BD47-411E-9417-FDBE9B40B74F}"/>
+                <a16:creationId xmlns:a16="http://schemas.microsoft.com/office/drawing/2014/main" id="{6395F726-7E84-441C-8D4B-06C5C41714A2}"/>
               </a:ext>
             </a:extLst>
           </p:cNvPr>
@@ -4233,7 +5808,7 @@
           <p:nvPr/>
         </p:nvPicPr>
         <p:blipFill>
-          <a:blip r:embed="rId2">
+          <a:blip r:embed="rId3">
             <a:extLst>
               <a:ext uri="{28A0092B-C50C-407E-A947-70E740481C1C}">
                 <a14:useLocalDpi xmlns:a14="http://schemas.microsoft.com/office/drawing/2010/main" val="0"/>
@@ -4254,28 +5829,91 @@
           </a:prstGeom>
         </p:spPr>
       </p:pic>
+      <p:pic>
+        <p:nvPicPr>
+          <p:cNvPr id="3" name="Imagem 2">
+            <a:extLst>
+              <a:ext uri="{FF2B5EF4-FFF2-40B4-BE49-F238E27FC236}">
+                <a16:creationId xmlns:a16="http://schemas.microsoft.com/office/drawing/2014/main" id="{B248B7D9-4CD3-4A99-9CD9-ACE379FE6247}"/>
+              </a:ext>
+            </a:extLst>
+          </p:cNvPr>
+          <p:cNvPicPr>
+            <a:picLocks noChangeAspect="1"/>
+          </p:cNvPicPr>
+          <p:nvPr/>
+        </p:nvPicPr>
+        <p:blipFill>
+          <a:blip r:embed="rId4"/>
+          <a:stretch>
+            <a:fillRect/>
+          </a:stretch>
+        </p:blipFill>
+        <p:spPr>
+          <a:xfrm>
+            <a:off x="70337" y="2297571"/>
+            <a:ext cx="12051323" cy="1693624"/>
+          </a:xfrm>
+          <a:prstGeom prst="rect">
+            <a:avLst/>
+          </a:prstGeom>
+        </p:spPr>
+      </p:pic>
+      <p:sp>
+        <p:nvSpPr>
+          <p:cNvPr id="4" name="CaixaDeTexto 3">
+            <a:extLst>
+              <a:ext uri="{FF2B5EF4-FFF2-40B4-BE49-F238E27FC236}">
+                <a16:creationId xmlns:a16="http://schemas.microsoft.com/office/drawing/2014/main" id="{F4770001-17E2-46C4-A96E-FA731A0747EE}"/>
+              </a:ext>
+            </a:extLst>
+          </p:cNvPr>
+          <p:cNvSpPr txBox="1"/>
+          <p:nvPr/>
+        </p:nvSpPr>
+        <p:spPr>
+          <a:xfrm>
+            <a:off x="8074855" y="675250"/>
+            <a:ext cx="3179299" cy="584775"/>
+          </a:xfrm>
+          <a:prstGeom prst="rect">
+            <a:avLst/>
+          </a:prstGeom>
+          <a:noFill/>
+        </p:spPr>
+        <p:txBody>
+          <a:bodyPr wrap="square" rtlCol="0">
+            <a:spAutoFit/>
+          </a:bodyPr>
+          <a:lstStyle/>
+          <a:p>
+            <a:pPr algn="r"/>
+            <a:r>
+              <a:rPr lang="pt-BR" sz="3200" dirty="0">
+                <a:solidFill>
+                  <a:srgbClr val="6F7DFF"/>
+                </a:solidFill>
+                <a:latin typeface="Poppins" panose="00000500000000000000" pitchFamily="2" charset="0"/>
+                <a:cs typeface="Poppins" panose="00000500000000000000" pitchFamily="2" charset="0"/>
+              </a:rPr>
+              <a:t>BACKLOG</a:t>
+            </a:r>
+          </a:p>
+        </p:txBody>
+      </p:sp>
     </p:spTree>
     <p:extLst>
       <p:ext uri="{BB962C8B-B14F-4D97-AF65-F5344CB8AC3E}">
-        <p14:creationId xmlns:p14="http://schemas.microsoft.com/office/powerpoint/2010/main" val="1663107244"/>
+        <p14:creationId xmlns:p14="http://schemas.microsoft.com/office/powerpoint/2010/main" val="3613654196"/>
       </p:ext>
     </p:extLst>
   </p:cSld>
   <p:clrMapOvr>
     <a:masterClrMapping/>
   </p:clrMapOvr>
-  <mc:AlternateContent xmlns:mc="http://schemas.openxmlformats.org/markup-compatibility/2006">
-    <mc:Choice xmlns:p15="http://schemas.microsoft.com/office/powerpoint/2012/main" Requires="p15">
-      <p:transition xmlns:p14="http://schemas.microsoft.com/office/powerpoint/2010/main" spd="slow" p14:dur="3250">
-        <p15:prstTrans prst="origami"/>
-      </p:transition>
-    </mc:Choice>
-    <mc:Fallback>
-      <p:transition spd="slow">
-        <p:fade/>
-      </p:transition>
-    </mc:Fallback>
-  </mc:AlternateContent>
+  <p:transition spd="slow">
+    <p:push dir="u"/>
+  </p:transition>
 </p:sld>
 </file>
 
@@ -4298,10 +5936,10 @@
       </p:grpSpPr>
       <p:pic>
         <p:nvPicPr>
-          <p:cNvPr id="3" name="Imagem 2">
-            <a:extLst>
-              <a:ext uri="{FF2B5EF4-FFF2-40B4-BE49-F238E27FC236}">
-                <a16:creationId xmlns:a16="http://schemas.microsoft.com/office/drawing/2014/main" id="{E541AED5-6041-49AB-9E57-AB35DD6E96A0}"/>
+          <p:cNvPr id="7" name="Imagem 6">
+            <a:extLst>
+              <a:ext uri="{FF2B5EF4-FFF2-40B4-BE49-F238E27FC236}">
+                <a16:creationId xmlns:a16="http://schemas.microsoft.com/office/drawing/2014/main" id="{EA576F2F-C8DA-425C-BC44-6C73A4CD7918}"/>
               </a:ext>
             </a:extLst>
           </p:cNvPr>
@@ -4311,7 +5949,7 @@
           <p:nvPr/>
         </p:nvPicPr>
         <p:blipFill>
-          <a:blip r:embed="rId2">
+          <a:blip r:embed="rId3">
             <a:extLst>
               <a:ext uri="{28A0092B-C50C-407E-A947-70E740481C1C}">
                 <a14:useLocalDpi xmlns:a14="http://schemas.microsoft.com/office/drawing/2010/main" val="0"/>
@@ -4335,7 +5973,819 @@
     </p:spTree>
     <p:extLst>
       <p:ext uri="{BB962C8B-B14F-4D97-AF65-F5344CB8AC3E}">
-        <p14:creationId xmlns:p14="http://schemas.microsoft.com/office/powerpoint/2010/main" val="2098902248"/>
+        <p14:creationId xmlns:p14="http://schemas.microsoft.com/office/powerpoint/2010/main" val="4201475481"/>
+      </p:ext>
+    </p:extLst>
+  </p:cSld>
+  <p:clrMapOvr>
+    <a:masterClrMapping/>
+  </p:clrMapOvr>
+  <p:transition spd="slow">
+    <p:push dir="u"/>
+  </p:transition>
+</p:sld>
+</file>
+
+<file path=ppt/slides/slide16.xml><?xml version="1.0" encoding="utf-8"?>
+<p:sld xmlns:a="http://schemas.openxmlformats.org/drawingml/2006/main" xmlns:r="http://schemas.openxmlformats.org/officeDocument/2006/relationships" xmlns:p="http://schemas.openxmlformats.org/presentationml/2006/main">
+  <p:cSld>
+    <p:spTree>
+      <p:nvGrpSpPr>
+        <p:cNvPr id="1" name=""/>
+        <p:cNvGrpSpPr/>
+        <p:nvPr/>
+      </p:nvGrpSpPr>
+      <p:grpSpPr>
+        <a:xfrm>
+          <a:off x="0" y="0"/>
+          <a:ext cx="0" cy="0"/>
+          <a:chOff x="0" y="0"/>
+          <a:chExt cx="0" cy="0"/>
+        </a:xfrm>
+      </p:grpSpPr>
+      <p:pic>
+        <p:nvPicPr>
+          <p:cNvPr id="8" name="Imagem 7">
+            <a:extLst>
+              <a:ext uri="{FF2B5EF4-FFF2-40B4-BE49-F238E27FC236}">
+                <a16:creationId xmlns:a16="http://schemas.microsoft.com/office/drawing/2014/main" id="{DF96DA2B-7E86-4B32-BF0E-80E08511CCDB}"/>
+              </a:ext>
+            </a:extLst>
+          </p:cNvPr>
+          <p:cNvPicPr>
+            <a:picLocks noChangeAspect="1"/>
+          </p:cNvPicPr>
+          <p:nvPr/>
+        </p:nvPicPr>
+        <p:blipFill>
+          <a:blip r:embed="rId3">
+            <a:extLst>
+              <a:ext uri="{28A0092B-C50C-407E-A947-70E740481C1C}">
+                <a14:useLocalDpi xmlns:a14="http://schemas.microsoft.com/office/drawing/2010/main" val="0"/>
+              </a:ext>
+            </a:extLst>
+          </a:blip>
+          <a:stretch>
+            <a:fillRect/>
+          </a:stretch>
+        </p:blipFill>
+        <p:spPr>
+          <a:xfrm>
+            <a:off x="0" y="0"/>
+            <a:ext cx="12191999" cy="6858000"/>
+          </a:xfrm>
+          <a:prstGeom prst="rect">
+            <a:avLst/>
+          </a:prstGeom>
+        </p:spPr>
+      </p:pic>
+      <p:sp>
+        <p:nvSpPr>
+          <p:cNvPr id="4" name="CaixaDeTexto 3">
+            <a:extLst>
+              <a:ext uri="{FF2B5EF4-FFF2-40B4-BE49-F238E27FC236}">
+                <a16:creationId xmlns:a16="http://schemas.microsoft.com/office/drawing/2014/main" id="{70464950-48B3-443D-875D-3574E56E2B23}"/>
+              </a:ext>
+            </a:extLst>
+          </p:cNvPr>
+          <p:cNvSpPr txBox="1"/>
+          <p:nvPr/>
+        </p:nvSpPr>
+        <p:spPr>
+          <a:xfrm>
+            <a:off x="7005711" y="2095869"/>
+            <a:ext cx="4431323" cy="2975751"/>
+          </a:xfrm>
+          <a:prstGeom prst="rect">
+            <a:avLst/>
+          </a:prstGeom>
+          <a:noFill/>
+        </p:spPr>
+        <p:txBody>
+          <a:bodyPr wrap="square" rtlCol="0">
+            <a:spAutoFit/>
+          </a:bodyPr>
+          <a:lstStyle/>
+          <a:p>
+            <a:pPr marL="285750" indent="-285750">
+              <a:lnSpc>
+                <a:spcPct val="150000"/>
+              </a:lnSpc>
+              <a:buFontTx/>
+              <a:buChar char="-"/>
+            </a:pPr>
+            <a:r>
+              <a:rPr lang="pt-BR" sz="3200" dirty="0">
+                <a:solidFill>
+                  <a:srgbClr val="6F7DFF"/>
+                </a:solidFill>
+                <a:latin typeface="Poppins" panose="00000500000000000000" pitchFamily="2" charset="0"/>
+                <a:cs typeface="Poppins" panose="00000500000000000000" pitchFamily="2" charset="0"/>
+              </a:rPr>
+              <a:t>Scrum</a:t>
+            </a:r>
+          </a:p>
+          <a:p>
+            <a:pPr marL="285750" indent="-285750">
+              <a:lnSpc>
+                <a:spcPct val="150000"/>
+              </a:lnSpc>
+              <a:buFontTx/>
+              <a:buChar char="-"/>
+            </a:pPr>
+            <a:r>
+              <a:rPr lang="pt-BR" sz="3200" dirty="0">
+                <a:solidFill>
+                  <a:srgbClr val="6F7DFF"/>
+                </a:solidFill>
+                <a:latin typeface="Poppins" panose="00000500000000000000" pitchFamily="2" charset="0"/>
+                <a:cs typeface="Poppins" panose="00000500000000000000" pitchFamily="2" charset="0"/>
+              </a:rPr>
+              <a:t>Kanban</a:t>
+            </a:r>
+          </a:p>
+          <a:p>
+            <a:pPr marL="285750" indent="-285750">
+              <a:lnSpc>
+                <a:spcPct val="150000"/>
+              </a:lnSpc>
+              <a:buFontTx/>
+              <a:buChar char="-"/>
+            </a:pPr>
+            <a:r>
+              <a:rPr lang="pt-BR" sz="3200" dirty="0">
+                <a:solidFill>
+                  <a:srgbClr val="6F7DFF"/>
+                </a:solidFill>
+                <a:latin typeface="Poppins" panose="00000500000000000000" pitchFamily="2" charset="0"/>
+                <a:cs typeface="Poppins" panose="00000500000000000000" pitchFamily="2" charset="0"/>
+              </a:rPr>
+              <a:t>Status </a:t>
+            </a:r>
+            <a:r>
+              <a:rPr lang="pt-BR" sz="3200" dirty="0" err="1">
+                <a:solidFill>
+                  <a:srgbClr val="6F7DFF"/>
+                </a:solidFill>
+                <a:latin typeface="Poppins" panose="00000500000000000000" pitchFamily="2" charset="0"/>
+                <a:cs typeface="Poppins" panose="00000500000000000000" pitchFamily="2" charset="0"/>
+              </a:rPr>
+              <a:t>Report</a:t>
+            </a:r>
+            <a:endParaRPr lang="pt-BR" sz="3200" dirty="0">
+              <a:solidFill>
+                <a:srgbClr val="6F7DFF"/>
+              </a:solidFill>
+              <a:latin typeface="Poppins" panose="00000500000000000000" pitchFamily="2" charset="0"/>
+              <a:cs typeface="Poppins" panose="00000500000000000000" pitchFamily="2" charset="0"/>
+            </a:endParaRPr>
+          </a:p>
+          <a:p>
+            <a:pPr marL="285750" indent="-285750">
+              <a:lnSpc>
+                <a:spcPct val="150000"/>
+              </a:lnSpc>
+              <a:buFontTx/>
+              <a:buChar char="-"/>
+            </a:pPr>
+            <a:r>
+              <a:rPr lang="pt-BR" sz="3200" dirty="0">
+                <a:solidFill>
+                  <a:srgbClr val="6F7DFF"/>
+                </a:solidFill>
+                <a:latin typeface="Poppins" panose="00000500000000000000" pitchFamily="2" charset="0"/>
+                <a:cs typeface="Poppins" panose="00000500000000000000" pitchFamily="2" charset="0"/>
+              </a:rPr>
+              <a:t>Daily (15 minutos</a:t>
+            </a:r>
+            <a:r>
+              <a:rPr lang="pt-BR" sz="3200" dirty="0">
+                <a:solidFill>
+                  <a:srgbClr val="6F7DFF"/>
+                </a:solidFill>
+              </a:rPr>
+              <a:t>)</a:t>
+            </a:r>
+          </a:p>
+        </p:txBody>
+      </p:sp>
+    </p:spTree>
+    <p:extLst>
+      <p:ext uri="{BB962C8B-B14F-4D97-AF65-F5344CB8AC3E}">
+        <p14:creationId xmlns:p14="http://schemas.microsoft.com/office/powerpoint/2010/main" val="785560994"/>
+      </p:ext>
+    </p:extLst>
+  </p:cSld>
+  <p:clrMapOvr>
+    <a:masterClrMapping/>
+  </p:clrMapOvr>
+  <p:transition spd="slow">
+    <p:push dir="u"/>
+  </p:transition>
+</p:sld>
+</file>
+
+<file path=ppt/slides/slide17.xml><?xml version="1.0" encoding="utf-8"?>
+<p:sld xmlns:a="http://schemas.openxmlformats.org/drawingml/2006/main" xmlns:r="http://schemas.openxmlformats.org/officeDocument/2006/relationships" xmlns:p="http://schemas.openxmlformats.org/presentationml/2006/main">
+  <p:cSld>
+    <p:spTree>
+      <p:nvGrpSpPr>
+        <p:cNvPr id="1" name=""/>
+        <p:cNvGrpSpPr/>
+        <p:nvPr/>
+      </p:nvGrpSpPr>
+      <p:grpSpPr>
+        <a:xfrm>
+          <a:off x="0" y="0"/>
+          <a:ext cx="0" cy="0"/>
+          <a:chOff x="0" y="0"/>
+          <a:chExt cx="0" cy="0"/>
+        </a:xfrm>
+      </p:grpSpPr>
+      <p:pic>
+        <p:nvPicPr>
+          <p:cNvPr id="9" name="Imagem 8">
+            <a:extLst>
+              <a:ext uri="{FF2B5EF4-FFF2-40B4-BE49-F238E27FC236}">
+                <a16:creationId xmlns:a16="http://schemas.microsoft.com/office/drawing/2014/main" id="{C42DD054-32AA-4940-87CA-6F53791E07D7}"/>
+              </a:ext>
+            </a:extLst>
+          </p:cNvPr>
+          <p:cNvPicPr>
+            <a:picLocks noChangeAspect="1"/>
+          </p:cNvPicPr>
+          <p:nvPr/>
+        </p:nvPicPr>
+        <p:blipFill>
+          <a:blip r:embed="rId3">
+            <a:extLst>
+              <a:ext uri="{28A0092B-C50C-407E-A947-70E740481C1C}">
+                <a14:useLocalDpi xmlns:a14="http://schemas.microsoft.com/office/drawing/2010/main" val="0"/>
+              </a:ext>
+            </a:extLst>
+          </a:blip>
+          <a:stretch>
+            <a:fillRect/>
+          </a:stretch>
+        </p:blipFill>
+        <p:spPr>
+          <a:xfrm>
+            <a:off x="0" y="0"/>
+            <a:ext cx="12191999" cy="6858000"/>
+          </a:xfrm>
+          <a:prstGeom prst="rect">
+            <a:avLst/>
+          </a:prstGeom>
+        </p:spPr>
+      </p:pic>
+      <p:sp>
+        <p:nvSpPr>
+          <p:cNvPr id="4" name="CaixaDeTexto 3">
+            <a:extLst>
+              <a:ext uri="{FF2B5EF4-FFF2-40B4-BE49-F238E27FC236}">
+                <a16:creationId xmlns:a16="http://schemas.microsoft.com/office/drawing/2014/main" id="{8F6A1DEF-BF99-4A30-AAAA-747974590AC7}"/>
+              </a:ext>
+            </a:extLst>
+          </p:cNvPr>
+          <p:cNvSpPr txBox="1"/>
+          <p:nvPr/>
+        </p:nvSpPr>
+        <p:spPr>
+          <a:xfrm>
+            <a:off x="1252024" y="1645920"/>
+            <a:ext cx="4304713" cy="3539430"/>
+          </a:xfrm>
+          <a:prstGeom prst="rect">
+            <a:avLst/>
+          </a:prstGeom>
+          <a:noFill/>
+        </p:spPr>
+        <p:txBody>
+          <a:bodyPr wrap="square" rtlCol="0">
+            <a:spAutoFit/>
+          </a:bodyPr>
+          <a:lstStyle/>
+          <a:p>
+            <a:pPr marL="285750" indent="-285750">
+              <a:buFontTx/>
+              <a:buChar char="-"/>
+            </a:pPr>
+            <a:r>
+              <a:rPr lang="pt-BR" sz="2800" dirty="0" err="1">
+                <a:solidFill>
+                  <a:srgbClr val="6F7DFF"/>
+                </a:solidFill>
+                <a:latin typeface="Poppins" panose="00000500000000000000" pitchFamily="2" charset="0"/>
+                <a:cs typeface="Poppins" panose="00000500000000000000" pitchFamily="2" charset="0"/>
+              </a:rPr>
+              <a:t>Git</a:t>
+            </a:r>
+            <a:endParaRPr lang="pt-BR" sz="2800" dirty="0">
+              <a:solidFill>
+                <a:srgbClr val="6F7DFF"/>
+              </a:solidFill>
+              <a:latin typeface="Poppins" panose="00000500000000000000" pitchFamily="2" charset="0"/>
+              <a:cs typeface="Poppins" panose="00000500000000000000" pitchFamily="2" charset="0"/>
+            </a:endParaRPr>
+          </a:p>
+          <a:p>
+            <a:pPr marL="285750" indent="-285750">
+              <a:buFontTx/>
+              <a:buChar char="-"/>
+            </a:pPr>
+            <a:r>
+              <a:rPr lang="pt-BR" sz="2800" dirty="0" err="1">
+                <a:solidFill>
+                  <a:srgbClr val="6F7DFF"/>
+                </a:solidFill>
+                <a:latin typeface="Poppins" panose="00000500000000000000" pitchFamily="2" charset="0"/>
+                <a:cs typeface="Poppins" panose="00000500000000000000" pitchFamily="2" charset="0"/>
+              </a:rPr>
+              <a:t>Planner</a:t>
+            </a:r>
+            <a:endParaRPr lang="pt-BR" sz="2800" dirty="0">
+              <a:solidFill>
+                <a:srgbClr val="6F7DFF"/>
+              </a:solidFill>
+              <a:latin typeface="Poppins" panose="00000500000000000000" pitchFamily="2" charset="0"/>
+              <a:cs typeface="Poppins" panose="00000500000000000000" pitchFamily="2" charset="0"/>
+            </a:endParaRPr>
+          </a:p>
+          <a:p>
+            <a:pPr marL="285750" indent="-285750">
+              <a:buFontTx/>
+              <a:buChar char="-"/>
+            </a:pPr>
+            <a:r>
+              <a:rPr lang="pt-BR" sz="2800" dirty="0" err="1">
+                <a:solidFill>
+                  <a:srgbClr val="6F7DFF"/>
+                </a:solidFill>
+                <a:latin typeface="Poppins" panose="00000500000000000000" pitchFamily="2" charset="0"/>
+                <a:cs typeface="Poppins" panose="00000500000000000000" pitchFamily="2" charset="0"/>
+              </a:rPr>
+              <a:t>Discord</a:t>
+            </a:r>
+            <a:endParaRPr lang="pt-BR" sz="2800" dirty="0">
+              <a:solidFill>
+                <a:srgbClr val="6F7DFF"/>
+              </a:solidFill>
+              <a:latin typeface="Poppins" panose="00000500000000000000" pitchFamily="2" charset="0"/>
+              <a:cs typeface="Poppins" panose="00000500000000000000" pitchFamily="2" charset="0"/>
+            </a:endParaRPr>
+          </a:p>
+          <a:p>
+            <a:pPr marL="285750" indent="-285750">
+              <a:buFontTx/>
+              <a:buChar char="-"/>
+            </a:pPr>
+            <a:r>
+              <a:rPr lang="pt-BR" sz="2800" dirty="0" err="1">
+                <a:solidFill>
+                  <a:srgbClr val="6F7DFF"/>
+                </a:solidFill>
+                <a:latin typeface="Poppins" panose="00000500000000000000" pitchFamily="2" charset="0"/>
+                <a:cs typeface="Poppins" panose="00000500000000000000" pitchFamily="2" charset="0"/>
+              </a:rPr>
+              <a:t>Figma</a:t>
+            </a:r>
+            <a:endParaRPr lang="pt-BR" sz="2800" dirty="0">
+              <a:solidFill>
+                <a:srgbClr val="6F7DFF"/>
+              </a:solidFill>
+              <a:latin typeface="Poppins" panose="00000500000000000000" pitchFamily="2" charset="0"/>
+              <a:cs typeface="Poppins" panose="00000500000000000000" pitchFamily="2" charset="0"/>
+            </a:endParaRPr>
+          </a:p>
+          <a:p>
+            <a:pPr marL="285750" indent="-285750">
+              <a:buFontTx/>
+              <a:buChar char="-"/>
+            </a:pPr>
+            <a:r>
+              <a:rPr lang="pt-BR" sz="2800" dirty="0">
+                <a:solidFill>
+                  <a:srgbClr val="6F7DFF"/>
+                </a:solidFill>
+                <a:latin typeface="Poppins" panose="00000500000000000000" pitchFamily="2" charset="0"/>
+                <a:cs typeface="Poppins" panose="00000500000000000000" pitchFamily="2" charset="0"/>
+              </a:rPr>
+              <a:t>Visual Studio </a:t>
+            </a:r>
+            <a:r>
+              <a:rPr lang="pt-BR" sz="2800" dirty="0" err="1">
+                <a:solidFill>
+                  <a:srgbClr val="6F7DFF"/>
+                </a:solidFill>
+                <a:latin typeface="Poppins" panose="00000500000000000000" pitchFamily="2" charset="0"/>
+                <a:cs typeface="Poppins" panose="00000500000000000000" pitchFamily="2" charset="0"/>
+              </a:rPr>
+              <a:t>Code</a:t>
+            </a:r>
+            <a:endParaRPr lang="pt-BR" sz="2800" dirty="0">
+              <a:solidFill>
+                <a:srgbClr val="6F7DFF"/>
+              </a:solidFill>
+              <a:latin typeface="Poppins" panose="00000500000000000000" pitchFamily="2" charset="0"/>
+              <a:cs typeface="Poppins" panose="00000500000000000000" pitchFamily="2" charset="0"/>
+            </a:endParaRPr>
+          </a:p>
+          <a:p>
+            <a:pPr marL="285750" indent="-285750">
+              <a:buFontTx/>
+              <a:buChar char="-"/>
+            </a:pPr>
+            <a:r>
+              <a:rPr lang="pt-BR" sz="2800" dirty="0">
+                <a:solidFill>
+                  <a:srgbClr val="6F7DFF"/>
+                </a:solidFill>
+                <a:latin typeface="Poppins" panose="00000500000000000000" pitchFamily="2" charset="0"/>
+                <a:cs typeface="Poppins" panose="00000500000000000000" pitchFamily="2" charset="0"/>
+              </a:rPr>
+              <a:t>Android Studio</a:t>
+            </a:r>
+          </a:p>
+          <a:p>
+            <a:pPr marL="285750" indent="-285750">
+              <a:buFontTx/>
+              <a:buChar char="-"/>
+            </a:pPr>
+            <a:r>
+              <a:rPr lang="pt-BR" sz="2800" dirty="0" err="1">
+                <a:solidFill>
+                  <a:srgbClr val="6F7DFF"/>
+                </a:solidFill>
+                <a:latin typeface="Poppins" panose="00000500000000000000" pitchFamily="2" charset="0"/>
+                <a:cs typeface="Poppins" panose="00000500000000000000" pitchFamily="2" charset="0"/>
+              </a:rPr>
+              <a:t>IntelliJ</a:t>
+            </a:r>
+            <a:endParaRPr lang="pt-BR" sz="2800" dirty="0">
+              <a:solidFill>
+                <a:srgbClr val="6F7DFF"/>
+              </a:solidFill>
+              <a:latin typeface="Poppins" panose="00000500000000000000" pitchFamily="2" charset="0"/>
+              <a:cs typeface="Poppins" panose="00000500000000000000" pitchFamily="2" charset="0"/>
+            </a:endParaRPr>
+          </a:p>
+          <a:p>
+            <a:pPr marL="285750" indent="-285750">
+              <a:buFontTx/>
+              <a:buChar char="-"/>
+            </a:pPr>
+            <a:r>
+              <a:rPr lang="pt-BR" sz="2800" dirty="0">
+                <a:solidFill>
+                  <a:srgbClr val="6F7DFF"/>
+                </a:solidFill>
+                <a:latin typeface="Poppins" panose="00000500000000000000" pitchFamily="2" charset="0"/>
+                <a:cs typeface="Poppins" panose="00000500000000000000" pitchFamily="2" charset="0"/>
+              </a:rPr>
+              <a:t>Illustrator</a:t>
+            </a:r>
+          </a:p>
+        </p:txBody>
+      </p:sp>
+      <p:sp>
+        <p:nvSpPr>
+          <p:cNvPr id="7" name="CaixaDeTexto 6">
+            <a:extLst>
+              <a:ext uri="{FF2B5EF4-FFF2-40B4-BE49-F238E27FC236}">
+                <a16:creationId xmlns:a16="http://schemas.microsoft.com/office/drawing/2014/main" id="{F093C2C2-D0D9-489E-9C4D-6CCC681E6193}"/>
+              </a:ext>
+            </a:extLst>
+          </p:cNvPr>
+          <p:cNvSpPr txBox="1"/>
+          <p:nvPr/>
+        </p:nvSpPr>
+        <p:spPr>
+          <a:xfrm>
+            <a:off x="6246055" y="3207433"/>
+            <a:ext cx="4304713" cy="1815882"/>
+          </a:xfrm>
+          <a:prstGeom prst="rect">
+            <a:avLst/>
+          </a:prstGeom>
+          <a:noFill/>
+        </p:spPr>
+        <p:txBody>
+          <a:bodyPr wrap="square" rtlCol="0">
+            <a:spAutoFit/>
+          </a:bodyPr>
+          <a:lstStyle/>
+          <a:p>
+            <a:pPr marL="285750" indent="-285750">
+              <a:buFontTx/>
+              <a:buChar char="-"/>
+            </a:pPr>
+            <a:r>
+              <a:rPr lang="pt-BR" sz="2800" dirty="0">
+                <a:solidFill>
+                  <a:srgbClr val="6F7DFF"/>
+                </a:solidFill>
+                <a:latin typeface="Poppins" panose="00000500000000000000" pitchFamily="2" charset="0"/>
+                <a:cs typeface="Poppins" panose="00000500000000000000" pitchFamily="2" charset="0"/>
+              </a:rPr>
+              <a:t>Angular 9</a:t>
+            </a:r>
+          </a:p>
+          <a:p>
+            <a:pPr marL="285750" indent="-285750">
+              <a:buFontTx/>
+              <a:buChar char="-"/>
+            </a:pPr>
+            <a:r>
+              <a:rPr lang="pt-BR" sz="2800" dirty="0" err="1">
+                <a:solidFill>
+                  <a:srgbClr val="6F7DFF"/>
+                </a:solidFill>
+                <a:latin typeface="Poppins" panose="00000500000000000000" pitchFamily="2" charset="0"/>
+                <a:cs typeface="Poppins" panose="00000500000000000000" pitchFamily="2" charset="0"/>
+              </a:rPr>
+              <a:t>Kotlin</a:t>
+            </a:r>
+            <a:endParaRPr lang="pt-BR" sz="2800" dirty="0">
+              <a:solidFill>
+                <a:srgbClr val="6F7DFF"/>
+              </a:solidFill>
+              <a:latin typeface="Poppins" panose="00000500000000000000" pitchFamily="2" charset="0"/>
+              <a:cs typeface="Poppins" panose="00000500000000000000" pitchFamily="2" charset="0"/>
+            </a:endParaRPr>
+          </a:p>
+          <a:p>
+            <a:pPr marL="285750" indent="-285750">
+              <a:buFontTx/>
+              <a:buChar char="-"/>
+            </a:pPr>
+            <a:r>
+              <a:rPr lang="pt-BR" sz="2800" dirty="0">
+                <a:solidFill>
+                  <a:srgbClr val="6F7DFF"/>
+                </a:solidFill>
+                <a:latin typeface="Poppins" panose="00000500000000000000" pitchFamily="2" charset="0"/>
+                <a:cs typeface="Poppins" panose="00000500000000000000" pitchFamily="2" charset="0"/>
+              </a:rPr>
+              <a:t>Spring Boot</a:t>
+            </a:r>
+          </a:p>
+          <a:p>
+            <a:pPr marL="285750" indent="-285750">
+              <a:buFontTx/>
+              <a:buChar char="-"/>
+            </a:pPr>
+            <a:r>
+              <a:rPr lang="pt-BR" sz="2800" dirty="0">
+                <a:solidFill>
+                  <a:srgbClr val="6F7DFF"/>
+                </a:solidFill>
+                <a:latin typeface="Poppins" panose="00000500000000000000" pitchFamily="2" charset="0"/>
+                <a:cs typeface="Poppins" panose="00000500000000000000" pitchFamily="2" charset="0"/>
+              </a:rPr>
+              <a:t>AWS Cloud</a:t>
+            </a:r>
+          </a:p>
+        </p:txBody>
+      </p:sp>
+    </p:spTree>
+    <p:extLst>
+      <p:ext uri="{BB962C8B-B14F-4D97-AF65-F5344CB8AC3E}">
+        <p14:creationId xmlns:p14="http://schemas.microsoft.com/office/powerpoint/2010/main" val="866989866"/>
+      </p:ext>
+    </p:extLst>
+  </p:cSld>
+  <p:clrMapOvr>
+    <a:masterClrMapping/>
+  </p:clrMapOvr>
+  <p:transition spd="slow">
+    <p:push dir="u"/>
+  </p:transition>
+</p:sld>
+</file>
+
+<file path=ppt/slides/slide18.xml><?xml version="1.0" encoding="utf-8"?>
+<p:sld xmlns:a="http://schemas.openxmlformats.org/drawingml/2006/main" xmlns:r="http://schemas.openxmlformats.org/officeDocument/2006/relationships" xmlns:p="http://schemas.openxmlformats.org/presentationml/2006/main">
+  <p:cSld>
+    <p:spTree>
+      <p:nvGrpSpPr>
+        <p:cNvPr id="1" name=""/>
+        <p:cNvGrpSpPr/>
+        <p:nvPr/>
+      </p:nvGrpSpPr>
+      <p:grpSpPr>
+        <a:xfrm>
+          <a:off x="0" y="0"/>
+          <a:ext cx="0" cy="0"/>
+          <a:chOff x="0" y="0"/>
+          <a:chExt cx="0" cy="0"/>
+        </a:xfrm>
+      </p:grpSpPr>
+      <p:pic>
+        <p:nvPicPr>
+          <p:cNvPr id="15" name="Imagem 14">
+            <a:extLst>
+              <a:ext uri="{FF2B5EF4-FFF2-40B4-BE49-F238E27FC236}">
+                <a16:creationId xmlns:a16="http://schemas.microsoft.com/office/drawing/2014/main" id="{C1BD3B3A-46D4-46E2-A840-F785C8881664}"/>
+              </a:ext>
+            </a:extLst>
+          </p:cNvPr>
+          <p:cNvPicPr>
+            <a:picLocks noChangeAspect="1"/>
+          </p:cNvPicPr>
+          <p:nvPr/>
+        </p:nvPicPr>
+        <p:blipFill>
+          <a:blip r:embed="rId3">
+            <a:extLst>
+              <a:ext uri="{28A0092B-C50C-407E-A947-70E740481C1C}">
+                <a14:useLocalDpi xmlns:a14="http://schemas.microsoft.com/office/drawing/2010/main" val="0"/>
+              </a:ext>
+            </a:extLst>
+          </a:blip>
+          <a:stretch>
+            <a:fillRect/>
+          </a:stretch>
+        </p:blipFill>
+        <p:spPr>
+          <a:xfrm>
+            <a:off x="0" y="0"/>
+            <a:ext cx="12191999" cy="6858000"/>
+          </a:xfrm>
+          <a:prstGeom prst="rect">
+            <a:avLst/>
+          </a:prstGeom>
+        </p:spPr>
+      </p:pic>
+      <p:sp>
+        <p:nvSpPr>
+          <p:cNvPr id="6" name="CaixaDeTexto 5">
+            <a:extLst>
+              <a:ext uri="{FF2B5EF4-FFF2-40B4-BE49-F238E27FC236}">
+                <a16:creationId xmlns:a16="http://schemas.microsoft.com/office/drawing/2014/main" id="{F4F0D724-5E24-40E4-9C11-B8BABDC48044}"/>
+              </a:ext>
+            </a:extLst>
+          </p:cNvPr>
+          <p:cNvSpPr txBox="1"/>
+          <p:nvPr/>
+        </p:nvSpPr>
+        <p:spPr>
+          <a:xfrm>
+            <a:off x="1953064" y="3429000"/>
+            <a:ext cx="4023360" cy="954107"/>
+          </a:xfrm>
+          <a:prstGeom prst="rect">
+            <a:avLst/>
+          </a:prstGeom>
+          <a:noFill/>
+        </p:spPr>
+        <p:txBody>
+          <a:bodyPr wrap="square" rtlCol="0">
+            <a:spAutoFit/>
+          </a:bodyPr>
+          <a:lstStyle/>
+          <a:p>
+            <a:pPr algn="r"/>
+            <a:r>
+              <a:rPr lang="pt-BR" sz="2800" dirty="0">
+                <a:solidFill>
+                  <a:srgbClr val="6F7DFF"/>
+                </a:solidFill>
+                <a:latin typeface="Poppins" panose="00000500000000000000" pitchFamily="2" charset="0"/>
+                <a:cs typeface="Poppins" panose="00000500000000000000" pitchFamily="2" charset="0"/>
+              </a:rPr>
+              <a:t>Autonomia e</a:t>
+            </a:r>
+          </a:p>
+          <a:p>
+            <a:pPr algn="r"/>
+            <a:r>
+              <a:rPr lang="pt-BR" sz="2800" dirty="0">
+                <a:solidFill>
+                  <a:srgbClr val="6F7DFF"/>
+                </a:solidFill>
+                <a:latin typeface="Poppins" panose="00000500000000000000" pitchFamily="2" charset="0"/>
+                <a:cs typeface="Poppins" panose="00000500000000000000" pitchFamily="2" charset="0"/>
+              </a:rPr>
+              <a:t>responsabilidade</a:t>
+            </a:r>
+          </a:p>
+        </p:txBody>
+      </p:sp>
+      <p:sp>
+        <p:nvSpPr>
+          <p:cNvPr id="7" name="CaixaDeTexto 6">
+            <a:extLst>
+              <a:ext uri="{FF2B5EF4-FFF2-40B4-BE49-F238E27FC236}">
+                <a16:creationId xmlns:a16="http://schemas.microsoft.com/office/drawing/2014/main" id="{AD1F6AE2-C300-4121-98F9-8680144CB227}"/>
+              </a:ext>
+            </a:extLst>
+          </p:cNvPr>
+          <p:cNvSpPr txBox="1"/>
+          <p:nvPr/>
+        </p:nvSpPr>
+        <p:spPr>
+          <a:xfrm>
+            <a:off x="1953064" y="2622441"/>
+            <a:ext cx="4023360" cy="523220"/>
+          </a:xfrm>
+          <a:prstGeom prst="rect">
+            <a:avLst/>
+          </a:prstGeom>
+          <a:noFill/>
+        </p:spPr>
+        <p:txBody>
+          <a:bodyPr wrap="square" rtlCol="0">
+            <a:spAutoFit/>
+          </a:bodyPr>
+          <a:lstStyle/>
+          <a:p>
+            <a:pPr algn="r"/>
+            <a:r>
+              <a:rPr lang="pt-BR" sz="2800" dirty="0">
+                <a:solidFill>
+                  <a:srgbClr val="6F7DFF"/>
+                </a:solidFill>
+                <a:latin typeface="Poppins" panose="00000500000000000000" pitchFamily="2" charset="0"/>
+                <a:cs typeface="Poppins" panose="00000500000000000000" pitchFamily="2" charset="0"/>
+              </a:rPr>
+              <a:t>Kanban</a:t>
+            </a:r>
+          </a:p>
+        </p:txBody>
+      </p:sp>
+    </p:spTree>
+    <p:extLst>
+      <p:ext uri="{BB962C8B-B14F-4D97-AF65-F5344CB8AC3E}">
+        <p14:creationId xmlns:p14="http://schemas.microsoft.com/office/powerpoint/2010/main" val="1367651759"/>
+      </p:ext>
+    </p:extLst>
+  </p:cSld>
+  <p:clrMapOvr>
+    <a:masterClrMapping/>
+  </p:clrMapOvr>
+  <p:transition spd="slow">
+    <p:push dir="u"/>
+  </p:transition>
+</p:sld>
+</file>
+
+<file path=ppt/slides/slide19.xml><?xml version="1.0" encoding="utf-8"?>
+<p:sld xmlns:a="http://schemas.openxmlformats.org/drawingml/2006/main" xmlns:r="http://schemas.openxmlformats.org/officeDocument/2006/relationships" xmlns:p="http://schemas.openxmlformats.org/presentationml/2006/main">
+  <p:cSld>
+    <p:spTree>
+      <p:nvGrpSpPr>
+        <p:cNvPr id="1" name=""/>
+        <p:cNvGrpSpPr/>
+        <p:nvPr/>
+      </p:nvGrpSpPr>
+      <p:grpSpPr>
+        <a:xfrm>
+          <a:off x="0" y="0"/>
+          <a:ext cx="0" cy="0"/>
+          <a:chOff x="0" y="0"/>
+          <a:chExt cx="0" cy="0"/>
+        </a:xfrm>
+      </p:grpSpPr>
+      <p:pic>
+        <p:nvPicPr>
+          <p:cNvPr id="5" name="Imagem 4">
+            <a:extLst>
+              <a:ext uri="{FF2B5EF4-FFF2-40B4-BE49-F238E27FC236}">
+                <a16:creationId xmlns:a16="http://schemas.microsoft.com/office/drawing/2014/main" id="{B09771BD-BD47-411E-9417-FDBE9B40B74F}"/>
+              </a:ext>
+            </a:extLst>
+          </p:cNvPr>
+          <p:cNvPicPr>
+            <a:picLocks noChangeAspect="1"/>
+          </p:cNvPicPr>
+          <p:nvPr/>
+        </p:nvPicPr>
+        <p:blipFill>
+          <a:blip r:embed="rId3">
+            <a:extLst>
+              <a:ext uri="{28A0092B-C50C-407E-A947-70E740481C1C}">
+                <a14:useLocalDpi xmlns:a14="http://schemas.microsoft.com/office/drawing/2010/main" val="0"/>
+              </a:ext>
+            </a:extLst>
+          </a:blip>
+          <a:stretch>
+            <a:fillRect/>
+          </a:stretch>
+        </p:blipFill>
+        <p:spPr>
+          <a:xfrm>
+            <a:off x="0" y="0"/>
+            <a:ext cx="12191999" cy="6858000"/>
+          </a:xfrm>
+          <a:prstGeom prst="rect">
+            <a:avLst/>
+          </a:prstGeom>
+        </p:spPr>
+      </p:pic>
+    </p:spTree>
+    <p:extLst>
+      <p:ext uri="{BB962C8B-B14F-4D97-AF65-F5344CB8AC3E}">
+        <p14:creationId xmlns:p14="http://schemas.microsoft.com/office/powerpoint/2010/main" val="1663107244"/>
       </p:ext>
     </p:extLst>
   </p:cSld>
@@ -4380,7 +6830,7 @@
           <p:nvPr/>
         </p:nvPicPr>
         <p:blipFill>
-          <a:blip r:embed="rId2">
+          <a:blip r:embed="rId3">
             <a:extLst>
               <a:ext uri="{28A0092B-C50C-407E-A947-70E740481C1C}">
                 <a14:useLocalDpi xmlns:a14="http://schemas.microsoft.com/office/drawing/2010/main" val="0"/>
@@ -4417,6 +6867,75 @@
 </p:sld>
 </file>
 
+<file path=ppt/slides/slide20.xml><?xml version="1.0" encoding="utf-8"?>
+<p:sld xmlns:a="http://schemas.openxmlformats.org/drawingml/2006/main" xmlns:r="http://schemas.openxmlformats.org/officeDocument/2006/relationships" xmlns:p="http://schemas.openxmlformats.org/presentationml/2006/main">
+  <p:cSld>
+    <p:spTree>
+      <p:nvGrpSpPr>
+        <p:cNvPr id="1" name=""/>
+        <p:cNvGrpSpPr/>
+        <p:nvPr/>
+      </p:nvGrpSpPr>
+      <p:grpSpPr>
+        <a:xfrm>
+          <a:off x="0" y="0"/>
+          <a:ext cx="0" cy="0"/>
+          <a:chOff x="0" y="0"/>
+          <a:chExt cx="0" cy="0"/>
+        </a:xfrm>
+      </p:grpSpPr>
+      <p:pic>
+        <p:nvPicPr>
+          <p:cNvPr id="3" name="Imagem 2">
+            <a:extLst>
+              <a:ext uri="{FF2B5EF4-FFF2-40B4-BE49-F238E27FC236}">
+                <a16:creationId xmlns:a16="http://schemas.microsoft.com/office/drawing/2014/main" id="{E541AED5-6041-49AB-9E57-AB35DD6E96A0}"/>
+              </a:ext>
+            </a:extLst>
+          </p:cNvPr>
+          <p:cNvPicPr>
+            <a:picLocks noChangeAspect="1"/>
+          </p:cNvPicPr>
+          <p:nvPr/>
+        </p:nvPicPr>
+        <p:blipFill>
+          <a:blip r:embed="rId2">
+            <a:extLst>
+              <a:ext uri="{28A0092B-C50C-407E-A947-70E740481C1C}">
+                <a14:useLocalDpi xmlns:a14="http://schemas.microsoft.com/office/drawing/2010/main" val="0"/>
+              </a:ext>
+            </a:extLst>
+          </a:blip>
+          <a:stretch>
+            <a:fillRect/>
+          </a:stretch>
+        </p:blipFill>
+        <p:spPr>
+          <a:xfrm>
+            <a:off x="0" y="0"/>
+            <a:ext cx="12191999" cy="6858000"/>
+          </a:xfrm>
+          <a:prstGeom prst="rect">
+            <a:avLst/>
+          </a:prstGeom>
+        </p:spPr>
+      </p:pic>
+    </p:spTree>
+    <p:extLst>
+      <p:ext uri="{BB962C8B-B14F-4D97-AF65-F5344CB8AC3E}">
+        <p14:creationId xmlns:p14="http://schemas.microsoft.com/office/powerpoint/2010/main" val="2098902248"/>
+      </p:ext>
+    </p:extLst>
+  </p:cSld>
+  <p:clrMapOvr>
+    <a:masterClrMapping/>
+  </p:clrMapOvr>
+  <p:transition spd="slow">
+    <p:push/>
+  </p:transition>
+</p:sld>
+</file>
+
 <file path=ppt/slides/slide3.xml><?xml version="1.0" encoding="utf-8"?>
 <p:sld xmlns:a="http://schemas.openxmlformats.org/drawingml/2006/main" xmlns:r="http://schemas.openxmlformats.org/officeDocument/2006/relationships" xmlns:p="http://schemas.openxmlformats.org/presentationml/2006/main">
   <p:cSld>
@@ -4436,10 +6955,10 @@
       </p:grpSpPr>
       <p:pic>
         <p:nvPicPr>
-          <p:cNvPr id="5" name="Imagem 4">
-            <a:extLst>
-              <a:ext uri="{FF2B5EF4-FFF2-40B4-BE49-F238E27FC236}">
-                <a16:creationId xmlns:a16="http://schemas.microsoft.com/office/drawing/2014/main" id="{F41198B7-8D32-4FF6-9E76-EBE26E06DCD9}"/>
+          <p:cNvPr id="3" name="Imagem 2">
+            <a:extLst>
+              <a:ext uri="{FF2B5EF4-FFF2-40B4-BE49-F238E27FC236}">
+                <a16:creationId xmlns:a16="http://schemas.microsoft.com/office/drawing/2014/main" id="{39459764-BD23-4A54-B580-BD99BC07E85A}"/>
               </a:ext>
             </a:extLst>
           </p:cNvPr>
@@ -4449,7 +6968,7 @@
           <p:nvPr/>
         </p:nvPicPr>
         <p:blipFill>
-          <a:blip r:embed="rId2">
+          <a:blip r:embed="rId3">
             <a:extLst>
               <a:ext uri="{28A0092B-C50C-407E-A947-70E740481C1C}">
                 <a14:useLocalDpi xmlns:a14="http://schemas.microsoft.com/office/drawing/2010/main" val="0"/>
@@ -4505,10 +7024,10 @@
       </p:grpSpPr>
       <p:pic>
         <p:nvPicPr>
-          <p:cNvPr id="9" name="Imagem 8">
-            <a:extLst>
-              <a:ext uri="{FF2B5EF4-FFF2-40B4-BE49-F238E27FC236}">
-                <a16:creationId xmlns:a16="http://schemas.microsoft.com/office/drawing/2014/main" id="{C71FAF3A-B70B-4AB5-B16E-AF41C3EF4F83}"/>
+          <p:cNvPr id="3" name="Imagem 2">
+            <a:extLst>
+              <a:ext uri="{FF2B5EF4-FFF2-40B4-BE49-F238E27FC236}">
+                <a16:creationId xmlns:a16="http://schemas.microsoft.com/office/drawing/2014/main" id="{8749B08E-EBE3-4CBF-8B6F-FB07349A9B8E}"/>
               </a:ext>
             </a:extLst>
           </p:cNvPr>
@@ -4518,7 +7037,7 @@
           <p:nvPr/>
         </p:nvPicPr>
         <p:blipFill>
-          <a:blip r:embed="rId2">
+          <a:blip r:embed="rId3">
             <a:extLst>
               <a:ext uri="{28A0092B-C50C-407E-A947-70E740481C1C}">
                 <a14:useLocalDpi xmlns:a14="http://schemas.microsoft.com/office/drawing/2010/main" val="0"/>
@@ -4587,7 +7106,7 @@
           <p:nvPr/>
         </p:nvPicPr>
         <p:blipFill>
-          <a:blip r:embed="rId2">
+          <a:blip r:embed="rId3">
             <a:extLst>
               <a:ext uri="{28A0092B-C50C-407E-A947-70E740481C1C}">
                 <a14:useLocalDpi xmlns:a14="http://schemas.microsoft.com/office/drawing/2010/main" val="0"/>
@@ -4656,7 +7175,7 @@
           <p:nvPr/>
         </p:nvPicPr>
         <p:blipFill>
-          <a:blip r:embed="rId2">
+          <a:blip r:embed="rId3">
             <a:extLst>
               <a:ext uri="{28A0092B-C50C-407E-A947-70E740481C1C}">
                 <a14:useLocalDpi xmlns:a14="http://schemas.microsoft.com/office/drawing/2010/main" val="0"/>
@@ -4725,7 +7244,7 @@
           <p:nvPr/>
         </p:nvPicPr>
         <p:blipFill>
-          <a:blip r:embed="rId2">
+          <a:blip r:embed="rId3">
             <a:extLst>
               <a:ext uri="{28A0092B-C50C-407E-A947-70E740481C1C}">
                 <a14:useLocalDpi xmlns:a14="http://schemas.microsoft.com/office/drawing/2010/main" val="0"/>
@@ -4740,6 +7259,42 @@
           <a:xfrm>
             <a:off x="0" y="0"/>
             <a:ext cx="12191999" cy="6858000"/>
+          </a:xfrm>
+          <a:prstGeom prst="rect">
+            <a:avLst/>
+          </a:prstGeom>
+        </p:spPr>
+      </p:pic>
+      <p:pic>
+        <p:nvPicPr>
+          <p:cNvPr id="3" name="Imagem 2">
+            <a:extLst>
+              <a:ext uri="{FF2B5EF4-FFF2-40B4-BE49-F238E27FC236}">
+                <a16:creationId xmlns:a16="http://schemas.microsoft.com/office/drawing/2014/main" id="{10034DC6-C7B3-4DBC-9AC6-A9593FD39711}"/>
+              </a:ext>
+            </a:extLst>
+          </p:cNvPr>
+          <p:cNvPicPr>
+            <a:picLocks noChangeAspect="1"/>
+          </p:cNvPicPr>
+          <p:nvPr/>
+        </p:nvPicPr>
+        <p:blipFill>
+          <a:blip r:embed="rId4">
+            <a:extLst>
+              <a:ext uri="{28A0092B-C50C-407E-A947-70E740481C1C}">
+                <a14:useLocalDpi xmlns:a14="http://schemas.microsoft.com/office/drawing/2010/main" val="0"/>
+              </a:ext>
+            </a:extLst>
+          </a:blip>
+          <a:stretch>
+            <a:fillRect/>
+          </a:stretch>
+        </p:blipFill>
+        <p:spPr>
+          <a:xfrm>
+            <a:off x="0" y="0"/>
+            <a:ext cx="12192000" cy="6858000"/>
           </a:xfrm>
           <a:prstGeom prst="rect">
             <a:avLst/>
@@ -4784,7 +7339,7 @@
           <p:cNvPr id="5" name="Imagem 4">
             <a:extLst>
               <a:ext uri="{FF2B5EF4-FFF2-40B4-BE49-F238E27FC236}">
-                <a16:creationId xmlns:a16="http://schemas.microsoft.com/office/drawing/2014/main" id="{6395F726-7E84-441C-8D4B-06C5C41714A2}"/>
+                <a16:creationId xmlns:a16="http://schemas.microsoft.com/office/drawing/2014/main" id="{D5728EBB-EDBC-444E-AF1C-199225FE9AB1}"/>
               </a:ext>
             </a:extLst>
           </p:cNvPr>
@@ -4794,7 +7349,7 @@
           <p:nvPr/>
         </p:nvPicPr>
         <p:blipFill>
-          <a:blip r:embed="rId2">
+          <a:blip r:embed="rId3">
             <a:extLst>
               <a:ext uri="{28A0092B-C50C-407E-A947-70E740481C1C}">
                 <a14:useLocalDpi xmlns:a14="http://schemas.microsoft.com/office/drawing/2010/main" val="0"/>
@@ -4807,8 +7362,8 @@
         </p:blipFill>
         <p:spPr>
           <a:xfrm>
-            <a:off x="0" y="0"/>
-            <a:ext cx="12191999" cy="6858000"/>
+            <a:off x="0" y="131421"/>
+            <a:ext cx="12192000" cy="6595157"/>
           </a:xfrm>
           <a:prstGeom prst="rect">
             <a:avLst/>
@@ -4818,7 +7373,7 @@
     </p:spTree>
     <p:extLst>
       <p:ext uri="{BB962C8B-B14F-4D97-AF65-F5344CB8AC3E}">
-        <p14:creationId xmlns:p14="http://schemas.microsoft.com/office/powerpoint/2010/main" val="3613654196"/>
+        <p14:creationId xmlns:p14="http://schemas.microsoft.com/office/powerpoint/2010/main" val="2728875579"/>
       </p:ext>
     </p:extLst>
   </p:cSld>
@@ -4853,7 +7408,7 @@
           <p:cNvPr id="5" name="Imagem 4">
             <a:extLst>
               <a:ext uri="{FF2B5EF4-FFF2-40B4-BE49-F238E27FC236}">
-                <a16:creationId xmlns:a16="http://schemas.microsoft.com/office/drawing/2014/main" id="{31E708E7-E4E4-4922-A169-7193CC350E69}"/>
+                <a16:creationId xmlns:a16="http://schemas.microsoft.com/office/drawing/2014/main" id="{90834B5F-4227-41C3-9114-B17A6BF53B13}"/>
               </a:ext>
             </a:extLst>
           </p:cNvPr>
@@ -4863,7 +7418,7 @@
           <p:nvPr/>
         </p:nvPicPr>
         <p:blipFill>
-          <a:blip r:embed="rId2">
+          <a:blip r:embed="rId3">
             <a:extLst>
               <a:ext uri="{28A0092B-C50C-407E-A947-70E740481C1C}">
                 <a14:useLocalDpi xmlns:a14="http://schemas.microsoft.com/office/drawing/2010/main" val="0"/>
@@ -4877,7 +7432,7 @@
         <p:spPr>
           <a:xfrm>
             <a:off x="0" y="0"/>
-            <a:ext cx="12191999" cy="6858000"/>
+            <a:ext cx="12192000" cy="6858000"/>
           </a:xfrm>
           <a:prstGeom prst="rect">
             <a:avLst/>
@@ -4887,7 +7442,7 @@
     </p:spTree>
     <p:extLst>
       <p:ext uri="{BB962C8B-B14F-4D97-AF65-F5344CB8AC3E}">
-        <p14:creationId xmlns:p14="http://schemas.microsoft.com/office/powerpoint/2010/main" val="2761102041"/>
+        <p14:creationId xmlns:p14="http://schemas.microsoft.com/office/powerpoint/2010/main" val="1985675945"/>
       </p:ext>
     </p:extLst>
   </p:cSld>
@@ -5193,4 +7748,299 @@
     </a:ext>
   </a:extLst>
 </a:theme>
+</file>
+
+<file path=ppt/theme/theme2.xml><?xml version="1.0" encoding="utf-8"?>
+<a:theme xmlns:a="http://schemas.openxmlformats.org/drawingml/2006/main" name="Tema do Office">
+  <a:themeElements>
+    <a:clrScheme name="Office">
+      <a:dk1>
+        <a:sysClr val="windowText" lastClr="000000"/>
+      </a:dk1>
+      <a:lt1>
+        <a:sysClr val="window" lastClr="FFFFFF"/>
+      </a:lt1>
+      <a:dk2>
+        <a:srgbClr val="44546A"/>
+      </a:dk2>
+      <a:lt2>
+        <a:srgbClr val="E7E6E6"/>
+      </a:lt2>
+      <a:accent1>
+        <a:srgbClr val="4472C4"/>
+      </a:accent1>
+      <a:accent2>
+        <a:srgbClr val="ED7D31"/>
+      </a:accent2>
+      <a:accent3>
+        <a:srgbClr val="A5A5A5"/>
+      </a:accent3>
+      <a:accent4>
+        <a:srgbClr val="FFC000"/>
+      </a:accent4>
+      <a:accent5>
+        <a:srgbClr val="5B9BD5"/>
+      </a:accent5>
+      <a:accent6>
+        <a:srgbClr val="70AD47"/>
+      </a:accent6>
+      <a:hlink>
+        <a:srgbClr val="0563C1"/>
+      </a:hlink>
+      <a:folHlink>
+        <a:srgbClr val="954F72"/>
+      </a:folHlink>
+    </a:clrScheme>
+    <a:fontScheme name="Office">
+      <a:majorFont>
+        <a:latin typeface="Calibri Light" panose="020F0302020204030204"/>
+        <a:ea typeface=""/>
+        <a:cs typeface=""/>
+        <a:font script="Jpan" typeface="游ゴシック Light"/>
+        <a:font script="Hang" typeface="맑은 고딕"/>
+        <a:font script="Hans" typeface="等线 Light"/>
+        <a:font script="Hant" typeface="新細明體"/>
+        <a:font script="Arab" typeface="Times New Roman"/>
+        <a:font script="Hebr" typeface="Times New Roman"/>
+        <a:font script="Thai" typeface="Angsana New"/>
+        <a:font script="Ethi" typeface="Nyala"/>
+        <a:font script="Beng" typeface="Vrinda"/>
+        <a:font script="Gujr" typeface="Shruti"/>
+        <a:font script="Khmr" typeface="MoolBoran"/>
+        <a:font script="Knda" typeface="Tunga"/>
+        <a:font script="Guru" typeface="Raavi"/>
+        <a:font script="Cans" typeface="Euphemia"/>
+        <a:font script="Cher" typeface="Plantagenet Cherokee"/>
+        <a:font script="Yiii" typeface="Microsoft Yi Baiti"/>
+        <a:font script="Tibt" typeface="Microsoft Himalaya"/>
+        <a:font script="Thaa" typeface="MV Boli"/>
+        <a:font script="Deva" typeface="Mangal"/>
+        <a:font script="Telu" typeface="Gautami"/>
+        <a:font script="Taml" typeface="Latha"/>
+        <a:font script="Syrc" typeface="Estrangelo Edessa"/>
+        <a:font script="Orya" typeface="Kalinga"/>
+        <a:font script="Mlym" typeface="Kartika"/>
+        <a:font script="Laoo" typeface="DokChampa"/>
+        <a:font script="Sinh" typeface="Iskoola Pota"/>
+        <a:font script="Mong" typeface="Mongolian Baiti"/>
+        <a:font script="Viet" typeface="Times New Roman"/>
+        <a:font script="Uigh" typeface="Microsoft Uighur"/>
+        <a:font script="Geor" typeface="Sylfaen"/>
+        <a:font script="Armn" typeface="Arial"/>
+        <a:font script="Bugi" typeface="Leelawadee UI"/>
+        <a:font script="Bopo" typeface="Microsoft JhengHei"/>
+        <a:font script="Java" typeface="Javanese Text"/>
+        <a:font script="Lisu" typeface="Segoe UI"/>
+        <a:font script="Mymr" typeface="Myanmar Text"/>
+        <a:font script="Nkoo" typeface="Ebrima"/>
+        <a:font script="Olck" typeface="Nirmala UI"/>
+        <a:font script="Osma" typeface="Ebrima"/>
+        <a:font script="Phag" typeface="Phagspa"/>
+        <a:font script="Syrn" typeface="Estrangelo Edessa"/>
+        <a:font script="Syrj" typeface="Estrangelo Edessa"/>
+        <a:font script="Syre" typeface="Estrangelo Edessa"/>
+        <a:font script="Sora" typeface="Nirmala UI"/>
+        <a:font script="Tale" typeface="Microsoft Tai Le"/>
+        <a:font script="Talu" typeface="Microsoft New Tai Lue"/>
+        <a:font script="Tfng" typeface="Ebrima"/>
+      </a:majorFont>
+      <a:minorFont>
+        <a:latin typeface="Calibri" panose="020F0502020204030204"/>
+        <a:ea typeface=""/>
+        <a:cs typeface=""/>
+        <a:font script="Jpan" typeface="游ゴシック"/>
+        <a:font script="Hang" typeface="맑은 고딕"/>
+        <a:font script="Hans" typeface="等线"/>
+        <a:font script="Hant" typeface="新細明體"/>
+        <a:font script="Arab" typeface="Arial"/>
+        <a:font script="Hebr" typeface="Arial"/>
+        <a:font script="Thai" typeface="Cordia New"/>
+        <a:font script="Ethi" typeface="Nyala"/>
+        <a:font script="Beng" typeface="Vrinda"/>
+        <a:font script="Gujr" typeface="Shruti"/>
+        <a:font script="Khmr" typeface="DaunPenh"/>
+        <a:font script="Knda" typeface="Tunga"/>
+        <a:font script="Guru" typeface="Raavi"/>
+        <a:font script="Cans" typeface="Euphemia"/>
+        <a:font script="Cher" typeface="Plantagenet Cherokee"/>
+        <a:font script="Yiii" typeface="Microsoft Yi Baiti"/>
+        <a:font script="Tibt" typeface="Microsoft Himalaya"/>
+        <a:font script="Thaa" typeface="MV Boli"/>
+        <a:font script="Deva" typeface="Mangal"/>
+        <a:font script="Telu" typeface="Gautami"/>
+        <a:font script="Taml" typeface="Latha"/>
+        <a:font script="Syrc" typeface="Estrangelo Edessa"/>
+        <a:font script="Orya" typeface="Kalinga"/>
+        <a:font script="Mlym" typeface="Kartika"/>
+        <a:font script="Laoo" typeface="DokChampa"/>
+        <a:font script="Sinh" typeface="Iskoola Pota"/>
+        <a:font script="Mong" typeface="Mongolian Baiti"/>
+        <a:font script="Viet" typeface="Arial"/>
+        <a:font script="Uigh" typeface="Microsoft Uighur"/>
+        <a:font script="Geor" typeface="Sylfaen"/>
+        <a:font script="Armn" typeface="Arial"/>
+        <a:font script="Bugi" typeface="Leelawadee UI"/>
+        <a:font script="Bopo" typeface="Microsoft JhengHei"/>
+        <a:font script="Java" typeface="Javanese Text"/>
+        <a:font script="Lisu" typeface="Segoe UI"/>
+        <a:font script="Mymr" typeface="Myanmar Text"/>
+        <a:font script="Nkoo" typeface="Ebrima"/>
+        <a:font script="Olck" typeface="Nirmala UI"/>
+        <a:font script="Osma" typeface="Ebrima"/>
+        <a:font script="Phag" typeface="Phagspa"/>
+        <a:font script="Syrn" typeface="Estrangelo Edessa"/>
+        <a:font script="Syrj" typeface="Estrangelo Edessa"/>
+        <a:font script="Syre" typeface="Estrangelo Edessa"/>
+        <a:font script="Sora" typeface="Nirmala UI"/>
+        <a:font script="Tale" typeface="Microsoft Tai Le"/>
+        <a:font script="Talu" typeface="Microsoft New Tai Lue"/>
+        <a:font script="Tfng" typeface="Ebrima"/>
+      </a:minorFont>
+    </a:fontScheme>
+    <a:fmtScheme name="Office">
+      <a:fillStyleLst>
+        <a:solidFill>
+          <a:schemeClr val="phClr"/>
+        </a:solidFill>
+        <a:gradFill rotWithShape="1">
+          <a:gsLst>
+            <a:gs pos="0">
+              <a:schemeClr val="phClr">
+                <a:lumMod val="110000"/>
+                <a:satMod val="105000"/>
+                <a:tint val="67000"/>
+              </a:schemeClr>
+            </a:gs>
+            <a:gs pos="50000">
+              <a:schemeClr val="phClr">
+                <a:lumMod val="105000"/>
+                <a:satMod val="103000"/>
+                <a:tint val="73000"/>
+              </a:schemeClr>
+            </a:gs>
+            <a:gs pos="100000">
+              <a:schemeClr val="phClr">
+                <a:lumMod val="105000"/>
+                <a:satMod val="109000"/>
+                <a:tint val="81000"/>
+              </a:schemeClr>
+            </a:gs>
+          </a:gsLst>
+          <a:lin ang="5400000" scaled="0"/>
+        </a:gradFill>
+        <a:gradFill rotWithShape="1">
+          <a:gsLst>
+            <a:gs pos="0">
+              <a:schemeClr val="phClr">
+                <a:satMod val="103000"/>
+                <a:lumMod val="102000"/>
+                <a:tint val="94000"/>
+              </a:schemeClr>
+            </a:gs>
+            <a:gs pos="50000">
+              <a:schemeClr val="phClr">
+                <a:satMod val="110000"/>
+                <a:lumMod val="100000"/>
+                <a:shade val="100000"/>
+              </a:schemeClr>
+            </a:gs>
+            <a:gs pos="100000">
+              <a:schemeClr val="phClr">
+                <a:lumMod val="99000"/>
+                <a:satMod val="120000"/>
+                <a:shade val="78000"/>
+              </a:schemeClr>
+            </a:gs>
+          </a:gsLst>
+          <a:lin ang="5400000" scaled="0"/>
+        </a:gradFill>
+      </a:fillStyleLst>
+      <a:lnStyleLst>
+        <a:ln w="6350" cap="flat" cmpd="sng" algn="ctr">
+          <a:solidFill>
+            <a:schemeClr val="phClr"/>
+          </a:solidFill>
+          <a:prstDash val="solid"/>
+          <a:miter lim="800000"/>
+        </a:ln>
+        <a:ln w="12700" cap="flat" cmpd="sng" algn="ctr">
+          <a:solidFill>
+            <a:schemeClr val="phClr"/>
+          </a:solidFill>
+          <a:prstDash val="solid"/>
+          <a:miter lim="800000"/>
+        </a:ln>
+        <a:ln w="19050" cap="flat" cmpd="sng" algn="ctr">
+          <a:solidFill>
+            <a:schemeClr val="phClr"/>
+          </a:solidFill>
+          <a:prstDash val="solid"/>
+          <a:miter lim="800000"/>
+        </a:ln>
+      </a:lnStyleLst>
+      <a:effectStyleLst>
+        <a:effectStyle>
+          <a:effectLst/>
+        </a:effectStyle>
+        <a:effectStyle>
+          <a:effectLst/>
+        </a:effectStyle>
+        <a:effectStyle>
+          <a:effectLst>
+            <a:outerShdw blurRad="57150" dist="19050" dir="5400000" algn="ctr" rotWithShape="0">
+              <a:srgbClr val="000000">
+                <a:alpha val="63000"/>
+              </a:srgbClr>
+            </a:outerShdw>
+          </a:effectLst>
+        </a:effectStyle>
+      </a:effectStyleLst>
+      <a:bgFillStyleLst>
+        <a:solidFill>
+          <a:schemeClr val="phClr"/>
+        </a:solidFill>
+        <a:solidFill>
+          <a:schemeClr val="phClr">
+            <a:tint val="95000"/>
+            <a:satMod val="170000"/>
+          </a:schemeClr>
+        </a:solidFill>
+        <a:gradFill rotWithShape="1">
+          <a:gsLst>
+            <a:gs pos="0">
+              <a:schemeClr val="phClr">
+                <a:tint val="93000"/>
+                <a:satMod val="150000"/>
+                <a:shade val="98000"/>
+                <a:lumMod val="102000"/>
+              </a:schemeClr>
+            </a:gs>
+            <a:gs pos="50000">
+              <a:schemeClr val="phClr">
+                <a:tint val="98000"/>
+                <a:satMod val="130000"/>
+                <a:shade val="90000"/>
+                <a:lumMod val="103000"/>
+              </a:schemeClr>
+            </a:gs>
+            <a:gs pos="100000">
+              <a:schemeClr val="phClr">
+                <a:shade val="63000"/>
+                <a:satMod val="120000"/>
+              </a:schemeClr>
+            </a:gs>
+          </a:gsLst>
+          <a:lin ang="5400000" scaled="0"/>
+        </a:gradFill>
+      </a:bgFillStyleLst>
+    </a:fmtScheme>
+  </a:themeElements>
+  <a:objectDefaults/>
+  <a:extraClrSchemeLst/>
+  <a:extLst>
+    <a:ext uri="{05A4C25C-085E-4340-85A3-A5531E510DB2}">
+      <thm15:themeFamily xmlns:thm15="http://schemas.microsoft.com/office/thememl/2012/main" name="Office Theme" id="{62F939B6-93AF-4DB8-9C6B-D6C7DFDC589F}" vid="{4A3C46E8-61CC-4603-A589-7422A47A8E4A}"/>
+    </a:ext>
+  </a:extLst>
+</a:theme>
 </file>
--- a/4-Semestre/Documentação/Material-institucional/Simplify.pptx
+++ b/4-Semestre/Documentação/Material-institucional/Simplify.pptx
@@ -5578,47 +5578,36 @@
           <a:chExt cx="0" cy="0"/>
         </a:xfrm>
       </p:grpSpPr>
-      <p:sp>
-        <p:nvSpPr>
-          <p:cNvPr id="5" name="CaixaDeTexto 4">
-            <a:extLst>
-              <a:ext uri="{FF2B5EF4-FFF2-40B4-BE49-F238E27FC236}">
-                <a16:creationId xmlns:a16="http://schemas.microsoft.com/office/drawing/2014/main" id="{A3FF10B6-8181-4CF4-9001-B7E949FCFD83}"/>
-              </a:ext>
-            </a:extLst>
-          </p:cNvPr>
-          <p:cNvSpPr txBox="1"/>
+      <p:pic>
+        <p:nvPicPr>
+          <p:cNvPr id="94" name="Imagem 93">
+            <a:extLst>
+              <a:ext uri="{FF2B5EF4-FFF2-40B4-BE49-F238E27FC236}">
+                <a16:creationId xmlns:a16="http://schemas.microsoft.com/office/drawing/2014/main" id="{8E0FFF8E-40E7-4E80-934D-6C41A03E08D6}"/>
+              </a:ext>
+            </a:extLst>
+          </p:cNvPr>
+          <p:cNvPicPr>
+            <a:picLocks noChangeAspect="1"/>
+          </p:cNvPicPr>
           <p:nvPr/>
-        </p:nvSpPr>
+        </p:nvPicPr>
+        <p:blipFill>
+          <a:blip r:embed="rId3"/>
+          <a:stretch>
+            <a:fillRect/>
+          </a:stretch>
+        </p:blipFill>
         <p:spPr>
           <a:xfrm>
-            <a:off x="337622" y="379829"/>
-            <a:ext cx="6147583" cy="584775"/>
+            <a:off x="735263" y="0"/>
+            <a:ext cx="10721474" cy="6858000"/>
           </a:xfrm>
           <a:prstGeom prst="rect">
             <a:avLst/>
           </a:prstGeom>
-          <a:noFill/>
         </p:spPr>
-        <p:txBody>
-          <a:bodyPr wrap="square" rtlCol="0">
-            <a:spAutoFit/>
-          </a:bodyPr>
-          <a:lstStyle/>
-          <a:p>
-            <a:r>
-              <a:rPr lang="pt-BR" sz="3200" dirty="0">
-                <a:solidFill>
-                  <a:srgbClr val="6F7DFF"/>
-                </a:solidFill>
-                <a:latin typeface="Poppins" panose="00000500000000000000" pitchFamily="2" charset="0"/>
-                <a:cs typeface="Poppins" panose="00000500000000000000" pitchFamily="2" charset="0"/>
-              </a:rPr>
-              <a:t>PM CANVAS</a:t>
-            </a:r>
-          </a:p>
-        </p:txBody>
-      </p:sp>
+      </p:pic>
     </p:spTree>
     <p:extLst>
       <p:ext uri="{BB962C8B-B14F-4D97-AF65-F5344CB8AC3E}">
@@ -5936,10 +5925,10 @@
       </p:grpSpPr>
       <p:pic>
         <p:nvPicPr>
-          <p:cNvPr id="7" name="Imagem 6">
-            <a:extLst>
-              <a:ext uri="{FF2B5EF4-FFF2-40B4-BE49-F238E27FC236}">
-                <a16:creationId xmlns:a16="http://schemas.microsoft.com/office/drawing/2014/main" id="{EA576F2F-C8DA-425C-BC44-6C73A4CD7918}"/>
+          <p:cNvPr id="5" name="Imagem 4">
+            <a:extLst>
+              <a:ext uri="{FF2B5EF4-FFF2-40B4-BE49-F238E27FC236}">
+                <a16:creationId xmlns:a16="http://schemas.microsoft.com/office/drawing/2014/main" id="{D8FD9A01-9366-4EE3-A551-C0A227AD6424}"/>
               </a:ext>
             </a:extLst>
           </p:cNvPr>
@@ -5949,21 +5938,15 @@
           <p:nvPr/>
         </p:nvPicPr>
         <p:blipFill>
-          <a:blip r:embed="rId3">
-            <a:extLst>
-              <a:ext uri="{28A0092B-C50C-407E-A947-70E740481C1C}">
-                <a14:useLocalDpi xmlns:a14="http://schemas.microsoft.com/office/drawing/2010/main" val="0"/>
-              </a:ext>
-            </a:extLst>
-          </a:blip>
+          <a:blip r:embed="rId3"/>
           <a:stretch>
             <a:fillRect/>
           </a:stretch>
         </p:blipFill>
         <p:spPr>
           <a:xfrm>
-            <a:off x="0" y="0"/>
-            <a:ext cx="12191999" cy="6858000"/>
+            <a:off x="28575" y="128587"/>
+            <a:ext cx="12134850" cy="6600825"/>
           </a:xfrm>
           <a:prstGeom prst="rect">
             <a:avLst/>
